--- a/01_ppt20221003.pptx
+++ b/01_ppt20221003.pptx
@@ -119,6 +119,603 @@
     </p:ext>
   </p:extLst>
 </p:presentation>
+</file>
+
+<file path=ppt/ink/ink1.xml><?xml version="1.0" encoding="utf-8"?>
+<inkml:ink xmlns:inkml="http://www.w3.org/2003/InkML">
+  <inkml:definitions>
+    <inkml:context xml:id="ctx0">
+      <inkml:inkSource xml:id="inkSrc0">
+        <inkml:traceFormat>
+          <inkml:channel name="X" type="integer" min="-2.14748E9" max="2.14748E9" units="cm"/>
+          <inkml:channel name="Y" type="integer" min="-2.14748E9" max="2.14748E9" units="cm"/>
+          <inkml:channel name="F" type="integer" max="32767" units="dev"/>
+        </inkml:traceFormat>
+        <inkml:channelProperties>
+          <inkml:channelProperty channel="X" name="resolution" value="1000" units="1/cm"/>
+          <inkml:channelProperty channel="Y" name="resolution" value="1000" units="1/cm"/>
+          <inkml:channelProperty channel="F" name="resolution" value="0" units="1/dev"/>
+        </inkml:channelProperties>
+      </inkml:inkSource>
+      <inkml:timestamp xml:id="ts0" timeString="2022-10-03T23:17:28.277"/>
+    </inkml:context>
+    <inkml:brush xml:id="br0">
+      <inkml:brushProperty name="width" value="0.05" units="cm"/>
+      <inkml:brushProperty name="height" value="0.05" units="cm"/>
+    </inkml:brush>
+  </inkml:definitions>
+  <inkml:trace contextRef="#ctx0" brushRef="#br0">300 4 24575,'-10'-3'0,"-41"19"0,-9 12 0,19 3 0,-20 3 0,7 2 0,39 1 0,8-7 0,7-6 0,9-10 0,10 1 0,9-7 0,4-2 0,1-5 0,0 0 0,4-2 0,3-4 0,-7-7 0,-6-11 0,-13-14 0,-8-7 0,-4 0 0,-2 7 0,-2 15 0,1 12 0,-1 10 0,2 10 0,0 8 0,0 12 0,0 11 0,1 5 0,2-2 0,0-8 0,1-12 0,-1-7 0,1-4 0,2 13 0,5 14 0,5 16 0,2 5 0,-2-11 0,-4-14 0,-3-15 0,0 4 0,2 7 0,2 8 0,1-2 0,-3-11 0,-4-10 0,-3-11 0,-3-2 0</inkml:trace>
+</inkml:ink>
+</file>
+
+<file path=ppt/ink/ink10.xml><?xml version="1.0" encoding="utf-8"?>
+<inkml:ink xmlns:inkml="http://www.w3.org/2003/InkML">
+  <inkml:definitions>
+    <inkml:context xml:id="ctx0">
+      <inkml:inkSource xml:id="inkSrc0">
+        <inkml:traceFormat>
+          <inkml:channel name="X" type="integer" min="-2.14748E9" max="2.14748E9" units="cm"/>
+          <inkml:channel name="Y" type="integer" min="-2.14748E9" max="2.14748E9" units="cm"/>
+          <inkml:channel name="F" type="integer" max="32767" units="dev"/>
+        </inkml:traceFormat>
+        <inkml:channelProperties>
+          <inkml:channelProperty channel="X" name="resolution" value="1000" units="1/cm"/>
+          <inkml:channelProperty channel="Y" name="resolution" value="1000" units="1/cm"/>
+          <inkml:channelProperty channel="F" name="resolution" value="0" units="1/dev"/>
+        </inkml:channelProperties>
+      </inkml:inkSource>
+      <inkml:timestamp xml:id="ts0" timeString="2022-10-03T23:17:36.742"/>
+    </inkml:context>
+    <inkml:brush xml:id="br0">
+      <inkml:brushProperty name="width" value="0.05" units="cm"/>
+      <inkml:brushProperty name="height" value="0.05" units="cm"/>
+    </inkml:brush>
+  </inkml:definitions>
+  <inkml:trace contextRef="#ctx0" brushRef="#br0">1 0 24575,'0'42'0,"0"5"0,0 24 0,0 11 0,0-32 0,0 2 0,0 1 0,0-1 0,0 46 0,0-14 0,0-26 0,0-19 0,0-22 0,0-10 0,0-9 0,1-7 0,2-12 0,2-14 0,4-11 0,2-2 0,14 2 0,21 7 0,-20 17 0,9 7 0</inkml:trace>
+</inkml:ink>
+</file>
+
+<file path=ppt/ink/ink11.xml><?xml version="1.0" encoding="utf-8"?>
+<inkml:ink xmlns:inkml="http://www.w3.org/2003/InkML">
+  <inkml:definitions>
+    <inkml:context xml:id="ctx0">
+      <inkml:inkSource xml:id="inkSrc0">
+        <inkml:traceFormat>
+          <inkml:channel name="X" type="integer" min="-2.14748E9" max="2.14748E9" units="cm"/>
+          <inkml:channel name="Y" type="integer" min="-2.14748E9" max="2.14748E9" units="cm"/>
+          <inkml:channel name="F" type="integer" max="32767" units="dev"/>
+        </inkml:traceFormat>
+        <inkml:channelProperties>
+          <inkml:channelProperty channel="X" name="resolution" value="1000" units="1/cm"/>
+          <inkml:channelProperty channel="Y" name="resolution" value="1000" units="1/cm"/>
+          <inkml:channelProperty channel="F" name="resolution" value="0" units="1/dev"/>
+        </inkml:channelProperties>
+      </inkml:inkSource>
+      <inkml:timestamp xml:id="ts0" timeString="2022-10-03T23:17:37.547"/>
+    </inkml:context>
+    <inkml:brush xml:id="br0">
+      <inkml:brushProperty name="width" value="0.05" units="cm"/>
+      <inkml:brushProperty name="height" value="0.05" units="cm"/>
+    </inkml:brush>
+  </inkml:definitions>
+  <inkml:trace contextRef="#ctx0" brushRef="#br0">88 1 24575,'-3'8'0,"1"2"0,2 4 0,0 6 0,0 10 0,0 13 0,-5 18 0,-7 8 0,-4 1 0,-3-9 0,5-19 0,4-13 0,5-15 0,4-9 0</inkml:trace>
+</inkml:ink>
+</file>
+
+<file path=ppt/ink/ink12.xml><?xml version="1.0" encoding="utf-8"?>
+<inkml:ink xmlns:inkml="http://www.w3.org/2003/InkML">
+  <inkml:definitions>
+    <inkml:context xml:id="ctx0">
+      <inkml:inkSource xml:id="inkSrc0">
+        <inkml:traceFormat>
+          <inkml:channel name="X" type="integer" min="-2.14748E9" max="2.14748E9" units="cm"/>
+          <inkml:channel name="Y" type="integer" min="-2.14748E9" max="2.14748E9" units="cm"/>
+          <inkml:channel name="F" type="integer" max="32767" units="dev"/>
+        </inkml:traceFormat>
+        <inkml:channelProperties>
+          <inkml:channelProperty channel="X" name="resolution" value="1000" units="1/cm"/>
+          <inkml:channelProperty channel="Y" name="resolution" value="1000" units="1/cm"/>
+          <inkml:channelProperty channel="F" name="resolution" value="0" units="1/dev"/>
+        </inkml:channelProperties>
+      </inkml:inkSource>
+      <inkml:timestamp xml:id="ts0" timeString="2022-10-03T23:17:38.660"/>
+    </inkml:context>
+    <inkml:brush xml:id="br0">
+      <inkml:brushProperty name="width" value="0.05" units="cm"/>
+      <inkml:brushProperty name="height" value="0.05" units="cm"/>
+    </inkml:brush>
+  </inkml:definitions>
+  <inkml:trace contextRef="#ctx0" brushRef="#br0">131 80 24575,'-3'11'0,"1"14"0,2 17 0,0 20 0,0 14 0,0 0 0,0-6 0,0-19 0,1-15 0,9-7 0,18 0 0,14 2 0,13-1 0,-4-6 0,-11-9 0,-12-8 0,-10-9 0,-5-14 0,-4-27 0,-1-30 0,-4-17 0,-2-6 0,0 38 0,0 0 0,-1-30 0,0 9 0,-1 33 0,-1 23 0,-2 16 0,-8 6 0,-10 1 0,-14-1 0,-16-3 0,-9 0 0,-2 1 0,7 1 0,10 10 0,11 11 0,8 10 0,7 8 0,8 7 0,6 12 0,4 7 0,0-22 0,2-10 0</inkml:trace>
+</inkml:ink>
+</file>
+
+<file path=ppt/ink/ink13.xml><?xml version="1.0" encoding="utf-8"?>
+<inkml:ink xmlns:inkml="http://www.w3.org/2003/InkML">
+  <inkml:definitions>
+    <inkml:context xml:id="ctx0">
+      <inkml:inkSource xml:id="inkSrc0">
+        <inkml:traceFormat>
+          <inkml:channel name="X" type="integer" min="-2.14748E9" max="2.14748E9" units="cm"/>
+          <inkml:channel name="Y" type="integer" min="-2.14748E9" max="2.14748E9" units="cm"/>
+          <inkml:channel name="F" type="integer" max="32767" units="dev"/>
+        </inkml:traceFormat>
+        <inkml:channelProperties>
+          <inkml:channelProperty channel="X" name="resolution" value="1000" units="1/cm"/>
+          <inkml:channelProperty channel="Y" name="resolution" value="1000" units="1/cm"/>
+          <inkml:channelProperty channel="F" name="resolution" value="0" units="1/dev"/>
+        </inkml:channelProperties>
+      </inkml:inkSource>
+      <inkml:timestamp xml:id="ts0" timeString="2022-10-03T23:17:39.845"/>
+    </inkml:context>
+    <inkml:brush xml:id="br0">
+      <inkml:brushProperty name="width" value="0.05" units="cm"/>
+      <inkml:brushProperty name="height" value="0.05" units="cm"/>
+    </inkml:brush>
+  </inkml:definitions>
+  <inkml:trace contextRef="#ctx0" brushRef="#br0">77 0 24575,'-6'2'0,"3"5"0,-2 14 0,-4 16 0,-6 28 0,-3 33 0,10-37 0,1 2 0,2 5 0,4 1 0,6-2 0,5-3 0,4-9 0,6-6 0,44 24 0,13-29 0,2-33 0,-8-22 0,-22-21 0,-13-11 0,-17-6 0,-10-7 0,-12-11 0,-17-15 0,3 36 0,-4-1 0,-4 0 0,-1 0 0,-26-34 0,9 20 0,14 27 0,13 20 0,9 10 0,4 7 0,3-1 0,0 1 0</inkml:trace>
+</inkml:ink>
+</file>
+
+<file path=ppt/ink/ink14.xml><?xml version="1.0" encoding="utf-8"?>
+<inkml:ink xmlns:inkml="http://www.w3.org/2003/InkML">
+  <inkml:definitions>
+    <inkml:context xml:id="ctx0">
+      <inkml:inkSource xml:id="inkSrc0">
+        <inkml:traceFormat>
+          <inkml:channel name="X" type="integer" min="-2.14748E9" max="2.14748E9" units="cm"/>
+          <inkml:channel name="Y" type="integer" min="-2.14748E9" max="2.14748E9" units="cm"/>
+          <inkml:channel name="F" type="integer" max="32767" units="dev"/>
+        </inkml:traceFormat>
+        <inkml:channelProperties>
+          <inkml:channelProperty channel="X" name="resolution" value="1000" units="1/cm"/>
+          <inkml:channelProperty channel="Y" name="resolution" value="1000" units="1/cm"/>
+          <inkml:channelProperty channel="F" name="resolution" value="0" units="1/dev"/>
+        </inkml:channelProperties>
+      </inkml:inkSource>
+      <inkml:timestamp xml:id="ts0" timeString="2022-10-03T23:17:41.031"/>
+    </inkml:context>
+    <inkml:brush xml:id="br0">
+      <inkml:brushProperty name="width" value="0.05" units="cm"/>
+      <inkml:brushProperty name="height" value="0.05" units="cm"/>
+    </inkml:brush>
+  </inkml:definitions>
+  <inkml:trace contextRef="#ctx0" brushRef="#br0">391 144 24575,'-6'4'0,"3"-1"0,1 5 0,2 1 0,0 6 0,0 4 0,0 3 0,0 8 0,0 4 0,0 3 0,0 4 0,0-3 0,1-4 0,1-8 0,4-11 0,5-7 0,2-5 0,1-1 0,0-2 0,0 0 0,4 0 0,2 0 0,4 0 0,1 0 0,-5 0 0,-4 0 0,-5-1 0,-3-4 0,0-7 0,0-13 0,0-13 0,-4-14 0,-8-15 0,-19-8 0,-26 1 0,12 39 0,-6 5 0,-5 6 0,-4 4 0,-1 6 0,-1 4 0,2 3 0,2 4 0,-34 7 0,37-2 0,18 3 0</inkml:trace>
+</inkml:ink>
+</file>
+
+<file path=ppt/ink/ink15.xml><?xml version="1.0" encoding="utf-8"?>
+<inkml:ink xmlns:inkml="http://www.w3.org/2003/InkML">
+  <inkml:definitions>
+    <inkml:context xml:id="ctx0">
+      <inkml:inkSource xml:id="inkSrc0">
+        <inkml:traceFormat>
+          <inkml:channel name="X" type="integer" min="-2.14748E9" max="2.14748E9" units="cm"/>
+          <inkml:channel name="Y" type="integer" min="-2.14748E9" max="2.14748E9" units="cm"/>
+          <inkml:channel name="F" type="integer" max="32767" units="dev"/>
+        </inkml:traceFormat>
+        <inkml:channelProperties>
+          <inkml:channelProperty channel="X" name="resolution" value="1000" units="1/cm"/>
+          <inkml:channelProperty channel="Y" name="resolution" value="1000" units="1/cm"/>
+          <inkml:channelProperty channel="F" name="resolution" value="0" units="1/dev"/>
+        </inkml:channelProperties>
+      </inkml:inkSource>
+      <inkml:timestamp xml:id="ts0" timeString="2022-10-03T23:17:42.519"/>
+    </inkml:context>
+    <inkml:brush xml:id="br0">
+      <inkml:brushProperty name="width" value="0.05" units="cm"/>
+      <inkml:brushProperty name="height" value="0.05" units="cm"/>
+    </inkml:brush>
+  </inkml:definitions>
+  <inkml:trace contextRef="#ctx0" brushRef="#br0">0 17 24575,'18'0'0,"7"0"0,8 0 0,2 0 0,7 0 0,-13 0 0,8-1 0,-15 0 0,-2-3 0,-4 0 0,-9 0 0,-1 1 0</inkml:trace>
+</inkml:ink>
+</file>
+
+<file path=ppt/ink/ink16.xml><?xml version="1.0" encoding="utf-8"?>
+<inkml:ink xmlns:inkml="http://www.w3.org/2003/InkML">
+  <inkml:definitions>
+    <inkml:context xml:id="ctx0">
+      <inkml:inkSource xml:id="inkSrc0">
+        <inkml:traceFormat>
+          <inkml:channel name="X" type="integer" min="-2.14748E9" max="2.14748E9" units="cm"/>
+          <inkml:channel name="Y" type="integer" min="-2.14748E9" max="2.14748E9" units="cm"/>
+          <inkml:channel name="F" type="integer" max="32767" units="dev"/>
+        </inkml:traceFormat>
+        <inkml:channelProperties>
+          <inkml:channelProperty channel="X" name="resolution" value="1000" units="1/cm"/>
+          <inkml:channelProperty channel="Y" name="resolution" value="1000" units="1/cm"/>
+          <inkml:channelProperty channel="F" name="resolution" value="0" units="1/dev"/>
+        </inkml:channelProperties>
+      </inkml:inkSource>
+      <inkml:timestamp xml:id="ts0" timeString="2022-10-03T23:17:43.754"/>
+    </inkml:context>
+    <inkml:brush xml:id="br0">
+      <inkml:brushProperty name="width" value="0.05" units="cm"/>
+      <inkml:brushProperty name="height" value="0.05" units="cm"/>
+    </inkml:brush>
+  </inkml:definitions>
+  <inkml:trace contextRef="#ctx0" brushRef="#br0">1 65 24575,'0'10'0,"0"1"0,0 3 0,0-1 0,0 6 0,0-7 0,0 6 0,0-13 0,0 3 0,0-9 0,0-8 0,1-3 0,6-10 0,11-1 0,12-2 0,8-2 0,3 5 0,0 5 0,-1 7 0,2 5 0,-1 4 0,2 1 0,-2 0 0,-2 1 0,0 4 0,-5 3 0,-6 5 0,-4 3 0,-5 4 0,-4 4 0,-1 10 0,-4 10 0,-4 11 0,-2 9 0,-4 3 0,-5-1 0,-8-3 0,-9-8 0,-10-8 0,-4-8 0,-3-10 0,-5-6 0,-3-9 0,-2-7 0,4-3 0,9-4 0,6 0 0,17 0 0,3 0 0</inkml:trace>
+</inkml:ink>
+</file>
+
+<file path=ppt/ink/ink17.xml><?xml version="1.0" encoding="utf-8"?>
+<inkml:ink xmlns:inkml="http://www.w3.org/2003/InkML">
+  <inkml:definitions>
+    <inkml:context xml:id="ctx0">
+      <inkml:inkSource xml:id="inkSrc0">
+        <inkml:traceFormat>
+          <inkml:channel name="X" type="integer" min="-2.14748E9" max="2.14748E9" units="cm"/>
+          <inkml:channel name="Y" type="integer" min="-2.14748E9" max="2.14748E9" units="cm"/>
+          <inkml:channel name="F" type="integer" max="32767" units="dev"/>
+        </inkml:traceFormat>
+        <inkml:channelProperties>
+          <inkml:channelProperty channel="X" name="resolution" value="1000" units="1/cm"/>
+          <inkml:channelProperty channel="Y" name="resolution" value="1000" units="1/cm"/>
+          <inkml:channelProperty channel="F" name="resolution" value="0" units="1/dev"/>
+        </inkml:channelProperties>
+      </inkml:inkSource>
+      <inkml:timestamp xml:id="ts0" timeString="2022-10-03T23:17:45.387"/>
+    </inkml:context>
+    <inkml:brush xml:id="br0">
+      <inkml:brushProperty name="width" value="0.05" units="cm"/>
+      <inkml:brushProperty name="height" value="0.05" units="cm"/>
+    </inkml:brush>
+  </inkml:definitions>
+  <inkml:trace contextRef="#ctx0" brushRef="#br0">0 373 24575,'4'-6'0,"5"1"0,8-3 0,11-5 0,6-8 0,3-3 0,0-2 0,-6 5 0,-6 4 0,-8 4 0,-4 5 0,-4 1 0,-3 3 0,-1 1 0,-2 2 0,0 1 0,1 0 0,1-1 0,5-4 0,3-2 0,2-2 0,0-1 0,-2 1 0,-1 0 0,1-1 0,1-3 0,3-3 0,3-4 0,1-2 0,-1 0 0,-3 4 0,-5 4 0,-5 8 0,-4 2 0</inkml:trace>
+</inkml:ink>
+</file>
+
+<file path=ppt/ink/ink18.xml><?xml version="1.0" encoding="utf-8"?>
+<inkml:ink xmlns:inkml="http://www.w3.org/2003/InkML">
+  <inkml:definitions>
+    <inkml:context xml:id="ctx0">
+      <inkml:inkSource xml:id="inkSrc0">
+        <inkml:traceFormat>
+          <inkml:channel name="X" type="integer" min="-2.14748E9" max="2.14748E9" units="cm"/>
+          <inkml:channel name="Y" type="integer" min="-2.14748E9" max="2.14748E9" units="cm"/>
+          <inkml:channel name="F" type="integer" max="32767" units="dev"/>
+        </inkml:traceFormat>
+        <inkml:channelProperties>
+          <inkml:channelProperty channel="X" name="resolution" value="1000" units="1/cm"/>
+          <inkml:channelProperty channel="Y" name="resolution" value="1000" units="1/cm"/>
+          <inkml:channelProperty channel="F" name="resolution" value="0" units="1/dev"/>
+        </inkml:channelProperties>
+      </inkml:inkSource>
+      <inkml:timestamp xml:id="ts0" timeString="2022-10-03T23:17:48.345"/>
+    </inkml:context>
+    <inkml:brush xml:id="br0">
+      <inkml:brushProperty name="width" value="0.05" units="cm"/>
+      <inkml:brushProperty name="height" value="0.05" units="cm"/>
+    </inkml:brush>
+  </inkml:definitions>
+  <inkml:trace contextRef="#ctx0" brushRef="#br0">1 1 24575,'0'30'0,"0"9"0,0 7 0,0-2 0,0-13 0,0-15 0,0-7 0,0-7 0,0 0 0,0 0 0,0-1 0</inkml:trace>
+</inkml:ink>
+</file>
+
+<file path=ppt/ink/ink19.xml><?xml version="1.0" encoding="utf-8"?>
+<inkml:ink xmlns:inkml="http://www.w3.org/2003/InkML">
+  <inkml:definitions>
+    <inkml:context xml:id="ctx0">
+      <inkml:inkSource xml:id="inkSrc0">
+        <inkml:traceFormat>
+          <inkml:channel name="X" type="integer" min="-2.14748E9" max="2.14748E9" units="cm"/>
+          <inkml:channel name="Y" type="integer" min="-2.14748E9" max="2.14748E9" units="cm"/>
+          <inkml:channel name="F" type="integer" max="32767" units="dev"/>
+        </inkml:traceFormat>
+        <inkml:channelProperties>
+          <inkml:channelProperty channel="X" name="resolution" value="1000" units="1/cm"/>
+          <inkml:channelProperty channel="Y" name="resolution" value="1000" units="1/cm"/>
+          <inkml:channelProperty channel="F" name="resolution" value="0" units="1/dev"/>
+        </inkml:channelProperties>
+      </inkml:inkSource>
+      <inkml:timestamp xml:id="ts0" timeString="2022-10-03T23:17:49.978"/>
+    </inkml:context>
+    <inkml:brush xml:id="br0">
+      <inkml:brushProperty name="width" value="0.05" units="cm"/>
+      <inkml:brushProperty name="height" value="0.05" units="cm"/>
+    </inkml:brush>
+  </inkml:definitions>
+  <inkml:trace contextRef="#ctx0" brushRef="#br0">93 99 24575,'-3'14'0,"1"9"0,2 12 0,0 9 0,1 5 0,7-2 0,10-2 0,44 17 0,-15-21 0,24 11 0,-38-31 0,-7-7 0,-8-8 0,-4-2 0,-4-4 0,1-2 0,1-4 0,3-9 0,8-11 0,10-13 0,5-10 0,0-5 0,-9 3 0,-12 8 0,-9 7 0,-8 5 0,-10 2 0,-10 2 0,-10 2 0,-8 3 0,-6 0 0,-3 1 0,-2-1 0,2 5 0,6 6 0,5 4 0,4 6 0,4 1 0,2 4 0,2 6 0,-1 12 0,-1 14 0,0 11 0,2 6 0,3-1 0,6-10 0,7-13 0,6-13 0,2-9 0</inkml:trace>
+</inkml:ink>
+</file>
+
+<file path=ppt/ink/ink2.xml><?xml version="1.0" encoding="utf-8"?>
+<inkml:ink xmlns:inkml="http://www.w3.org/2003/InkML">
+  <inkml:definitions>
+    <inkml:context xml:id="ctx0">
+      <inkml:inkSource xml:id="inkSrc0">
+        <inkml:traceFormat>
+          <inkml:channel name="X" type="integer" min="-2.14748E9" max="2.14748E9" units="cm"/>
+          <inkml:channel name="Y" type="integer" min="-2.14748E9" max="2.14748E9" units="cm"/>
+          <inkml:channel name="F" type="integer" max="32767" units="dev"/>
+        </inkml:traceFormat>
+        <inkml:channelProperties>
+          <inkml:channelProperty channel="X" name="resolution" value="1000" units="1/cm"/>
+          <inkml:channelProperty channel="Y" name="resolution" value="1000" units="1/cm"/>
+          <inkml:channelProperty channel="F" name="resolution" value="0" units="1/dev"/>
+        </inkml:channelProperties>
+      </inkml:inkSource>
+      <inkml:timestamp xml:id="ts0" timeString="2022-10-03T23:17:29.611"/>
+    </inkml:context>
+    <inkml:brush xml:id="br0">
+      <inkml:brushProperty name="width" value="0.05" units="cm"/>
+      <inkml:brushProperty name="height" value="0.05" units="cm"/>
+    </inkml:brush>
+  </inkml:definitions>
+  <inkml:trace contextRef="#ctx0" brushRef="#br0">143 116 24575,'-12'0'0,"-3"0"0,1 0 0,-5 0 0,-1 0 0,1 0 0,3 4 0,4 5 0,3 7 0,4 4 0,3 0 0,2 0 0,4-2 0,8-2 0,8-2 0,10-5 0,0-5 0,-4-8 0,-4-12 0,-7-12 0,-1-14 0,-4-5 0,-4 0 0,-3 10 0,-3 6 0,0 18 0,0 16 0,1 14 0,6 35 0,8 21 0,-4-24 0,0 2 0,2 3 0,0 0 0,11 40 0,-6-23 0,-6-25 0,-5-20 0,-3-15 0,-4-3 0,1-6 0,-1 0 0,1 0 0</inkml:trace>
+</inkml:ink>
+</file>
+
+<file path=ppt/ink/ink20.xml><?xml version="1.0" encoding="utf-8"?>
+<inkml:ink xmlns:inkml="http://www.w3.org/2003/InkML">
+  <inkml:definitions>
+    <inkml:context xml:id="ctx0">
+      <inkml:inkSource xml:id="inkSrc0">
+        <inkml:traceFormat>
+          <inkml:channel name="X" type="integer" min="-2.14748E9" max="2.14748E9" units="cm"/>
+          <inkml:channel name="Y" type="integer" min="-2.14748E9" max="2.14748E9" units="cm"/>
+          <inkml:channel name="F" type="integer" max="32767" units="dev"/>
+        </inkml:traceFormat>
+        <inkml:channelProperties>
+          <inkml:channelProperty channel="X" name="resolution" value="1000" units="1/cm"/>
+          <inkml:channelProperty channel="Y" name="resolution" value="1000" units="1/cm"/>
+          <inkml:channelProperty channel="F" name="resolution" value="0" units="1/dev"/>
+        </inkml:channelProperties>
+      </inkml:inkSource>
+      <inkml:timestamp xml:id="ts0" timeString="2022-10-03T23:17:51.213"/>
+    </inkml:context>
+    <inkml:brush xml:id="br0">
+      <inkml:brushProperty name="width" value="0.05" units="cm"/>
+      <inkml:brushProperty name="height" value="0.05" units="cm"/>
+    </inkml:brush>
+  </inkml:definitions>
+  <inkml:trace contextRef="#ctx0" brushRef="#br0">315 254 24575,'0'14'0,"0"5"0,0 6 0,0 1 0,0-5 0,0-6 0,3-2 0,8-3 0,8 2 0,6 0 0,2 0 0,-3-2 0,-1-3 0,-1 0 0,1-3 0,-1-2 0,-1-1 0,-4-2 0,-3-6 0,-3-10 0,0-18 0,1-13 0,-2-10 0,-3 1 0,-6 6 0,-13 5 0,-15 7 0,-23 1 0,-16 6 0,-11 10 0,-1 10 0,6 13 0,7 16 0,10 19 0,9 20 0,9 14 0,17-29 0,7-5 0</inkml:trace>
+</inkml:ink>
+</file>
+
+<file path=ppt/ink/ink21.xml><?xml version="1.0" encoding="utf-8"?>
+<inkml:ink xmlns:inkml="http://www.w3.org/2003/InkML">
+  <inkml:definitions>
+    <inkml:context xml:id="ctx0">
+      <inkml:inkSource xml:id="inkSrc0">
+        <inkml:traceFormat>
+          <inkml:channel name="X" type="integer" min="-2.14748E9" max="2.14748E9" units="cm"/>
+          <inkml:channel name="Y" type="integer" min="-2.14748E9" max="2.14748E9" units="cm"/>
+          <inkml:channel name="F" type="integer" max="32767" units="dev"/>
+        </inkml:traceFormat>
+        <inkml:channelProperties>
+          <inkml:channelProperty channel="X" name="resolution" value="1000" units="1/cm"/>
+          <inkml:channelProperty channel="Y" name="resolution" value="1000" units="1/cm"/>
+          <inkml:channelProperty channel="F" name="resolution" value="0" units="1/dev"/>
+        </inkml:channelProperties>
+      </inkml:inkSource>
+      <inkml:timestamp xml:id="ts0" timeString="2022-10-03T23:17:52.468"/>
+    </inkml:context>
+    <inkml:brush xml:id="br0">
+      <inkml:brushProperty name="width" value="0.05" units="cm"/>
+      <inkml:brushProperty name="height" value="0.05" units="cm"/>
+    </inkml:brush>
+  </inkml:definitions>
+  <inkml:trace contextRef="#ctx0" brushRef="#br0">134 68 24575,'0'7'0,"0"4"0,0 7 0,-5 10 0,-5 16 0,-3 10 0,0 8 0,5 1 0,4-8 0,3-5 0,8-11 0,14-10 0,15-5 0,15-7 0,4-5 0,-8-3 0,-11-5 0,-14-7 0,-12-21 0,-3-9 0,-18-34 0,-21-15 0,8 35 0,-3 0 0,-6-2 0,-2 2 0,0 6 0,-2 2 0,-31-22 0,27 27 0,13 15 0</inkml:trace>
+</inkml:ink>
+</file>
+
+<file path=ppt/ink/ink22.xml><?xml version="1.0" encoding="utf-8"?>
+<inkml:ink xmlns:inkml="http://www.w3.org/2003/InkML">
+  <inkml:definitions>
+    <inkml:context xml:id="ctx0">
+      <inkml:inkSource xml:id="inkSrc0">
+        <inkml:traceFormat>
+          <inkml:channel name="X" type="integer" min="-2.14748E9" max="2.14748E9" units="cm"/>
+          <inkml:channel name="Y" type="integer" min="-2.14748E9" max="2.14748E9" units="cm"/>
+          <inkml:channel name="F" type="integer" max="32767" units="dev"/>
+        </inkml:traceFormat>
+        <inkml:channelProperties>
+          <inkml:channelProperty channel="X" name="resolution" value="1000" units="1/cm"/>
+          <inkml:channelProperty channel="Y" name="resolution" value="1000" units="1/cm"/>
+          <inkml:channelProperty channel="F" name="resolution" value="0" units="1/dev"/>
+        </inkml:channelProperties>
+      </inkml:inkSource>
+      <inkml:timestamp xml:id="ts0" timeString="2022-10-03T23:03:20.745"/>
+    </inkml:context>
+    <inkml:brush xml:id="br0">
+      <inkml:brushProperty name="width" value="0.05292" units="cm"/>
+      <inkml:brushProperty name="height" value="0.05292" units="cm"/>
+    </inkml:brush>
+  </inkml:definitions>
+  <inkml:trace contextRef="#ctx0" brushRef="#br0">5556 4886 24575,'30'18'0,"-1"0"0,0-1 0,4 1 0,2 0 0,0 0 0,-2-3 0,9 2 0,0-1 0,1 5 0,3 2 0,-4-4 0,-4-7 0,-3-3 0,2 5 0,-2 0 0,10 2 0,2-16 0,-41 23 0,33-17 0,-24 18 0,-2-1 0,8-17 0,3 17 0,-24-23 0</inkml:trace>
+  <inkml:trace contextRef="#ctx0" brushRef="#br0" timeOffset="871">6491 4745 24575,'-22'37'0,"-1"1"0,10 0 0,-1-2 0,-5-12 0,-2-3 0,-8 9 0,9 0 0,-3 7 0,-3-2 0,-5-8 0,-2-2 0,1 5 0,11 2 0,2 6 0,1-1 0,-2-3 0,-8-3 0,-2-2 0,4 1 0,6 7 0,5 3 0,-1-3 0,-8 3 0,3-2 0,6 0 0,0-1 0,-6-1 0,3-10 0,14-22 0,-12 12 0</inkml:trace>
+  <inkml:trace contextRef="#ctx0" brushRef="#br0" timeOffset="3046">16140 4886 24575,'0'41'0,"0"-1"0,0 1 0,0-6 0,0-2 0,0 1 0,-2 15 0,4-2 0,2-16 0,7-1 0,18 10 0,9-6 0,0-19 0,2-3 0,-10 5 0,1 1 0,-2-6 0,11-6 0,-5-12 0,-11-15 0,-3-5 0,1 13 0,1-1 0,3-11 0,-1-1 0,-1 7 0,-3-1 0,-5-1 0,-2-3 0,0-14 0,-5-5 0,-7-2 0,-4 0 0,2 4 0,0 2 0,0 7 0,0 3 0,0 2 0,0 11 0,0 32 0,0 11 0,3 2 0,3 12 0,2 5 0,2 3 0,2-4 0,3-6 0,3-1 0,2 1 0,1 0 0,-1 0 0,-2 2 0,-2 4 0,-2 2 0,-1 0 0,0 1 0,2-2 0,2-3 0,3-4 0,4-2 0,1 0 0,0-2 0,-4-1 0,-5 0 0,-1 16 0,-8-2 0,1-3 0,1-12 0,0-1 0,-4 3 0,-5 10 0,-6 7 0,-2 0 0,-1-3 0,0-10 0,-1-1 0,-2-1 0,-2 0 0,-2 5 0,-1 1 0,-4-1 0,-6-6 0,-2-11 0,-5-3 0,-4-3 0,0-3 0,1-2 0,-2-3 0,1-2 0,-1-5 0,-2-5 0,0-6 0,-3-5 0,0-3 0,2-2 0,5 1 0,2-1 0,4 0 0,3-3 0,-10-15 0,14 1 0,24 10 0</inkml:trace>
+  <inkml:trace contextRef="#ctx0" brushRef="#br0" timeOffset="8091">22631 9455 24575,'43'0'0,"1"0"0,-1 0 0,0 0 0,1 0 0,-1 0 0,-5 0 0,3 0 0,2 0 0,3 0 0,3 0 0,0 0 0,3 0 0,0 0 0,1 0 0,1 0 0,-1 0 0,0 0 0,-1 0 0,-1 0 0,-2 0 0,-2 0-253,4 0 1,-2 0 0,-2 0 0,0 0 0,-1 0 0,0 0 0,0 0 0,1 0 0,1 0 0,1 0 0,2 0 0,2 0 0,2 0 120,-13 0 1,2 0 0,2 0 0,1 0 0,1 0 0,2 1 0,0-1 0,2 0 0,0 0 0,1 1 0,0-1 0,0 0 0,0 0 0,0 0-1,0 1 1,0-1 0,-1 0 0,-1 0 0,0-1 0,-2 1 0,-1 0 0,-1 0 0,-1-1 0,-3 0 0,-1 1-122,13-1 1,-3-1 0,-1 0 0,-3 0 0,0 0 0,-2 0 0,0 0 0,-1 0 0,0 0 0,1 0 0,-1 0 0,2 1 0,0-1 186,3 1 0,-1 1 1,2-1-1,-1 1 1,0 1-1,1-1 0,-1 0 1,0 0-1,0 0 1,-1-1-1,-1 0 0,0 0 1,-1-1 65,2 0 0,-1-1 0,-1-1 0,0 0 0,-1 0 0,0-1 0,0 1 0,0 0 0,-1 1 0,1 0 0,0 0-248,3 1 1,0 1 0,0 1 0,0 0 0,-1 0 0,1 0 0,0 0 0,0 0 0,0 0 0,1-1 247,-3 0 0,0 0 0,1-1 0,0 1 0,0-1 0,0 0 0,0 1 0,1-1 0,-1 1 0,1-1 0,0 2-83,-2-1 0,1 1 1,0-1-1,0 1 1,1 0-1,-1 1 1,0-1-1,1 0 1,-2 0-1,0 0 1,-1 1-1,-1-1 83,7 0 0,0 0 0,-2 0 0,0 0 0,0 0 0,-1 0 0,-1 0 0,0 0 0,0 0-168,2 0 1,-1 0 0,0 0 0,0 0 0,-1 0 0,-1 0 0,0 0-1,-2 0 168,1 0 0,-2 0 0,0 0 0,-1 0 0,-1 0 0,1 0 0,-1 0 264,7 0 1,1 0 0,-1 0 0,-1 0-1,-4 0 1,-6 0-265,1 0 0,-5 0 0,-1 0 1087,9 3 0,-1 0 0,-14-9-1087,-27-41 3276,-24 19-2876,9-3 0,-2-10 1,-1-5-1,0 3-400,0 8 0,0 2 0,-2-2 0,-3-7-63,7 10 0,-3-4 0,-1-4 0,-1-3 0,-1-2 0,0 0 1,-1 0-1,2 0 0,0 3 0,2 2 0,2 5 63,-5-12 0,3 6 0,1 1 0,-1-2 0,-3-8 0,7 15 0,-2-5 0,-1-3 0,-1-3 0,-1-1 0,0-3 0,-1 0 0,1 0 0,0 1 0,0 1 0,1 2 0,2 3 0,1 4 0,1 4 0,-5-14 0,2 7 0,2 3 0,0-1 0,-2-6 0,4 6 0,-2-3 0,1-3 0,-1-2 0,0 0 0,1 0 0,0 0 0,0 3 0,2 2 195,0-1 0,2 1 0,1 2 0,0 0 0,-1 1 0,-2 0 0,-3 0-195,-5-3 0,-2 0 0,-2-1 0,-1 1 0,-3 2 0,0 1 0,-1 2 0,2 5 0,-1 1 0,-1 1 0,-1 1 0,-2 2 0,-3 2 0,-2 1-276,-1 2 1,-2 1 0,-3 0-1,-2 2 1,-1 2 0,-1 2-1,-1 3 1,-1 3 0,0 5 275,8 4 0,-1 4 0,-2 2 0,0 4 0,0 1 0,-1 2 0,0 1 0,-1 1 0,1 0 0,0-2 0,0 0 0,0-2-298,-3 0 0,1-1 0,-1 0 0,0-1 0,0 1 0,0 0 0,0 0 0,0 0 1,0 2-1,0 0 0,0 1 220,4 0 1,1 2 0,0 0 0,0 1 0,0 0 0,0 1 0,0 0 0,-1 0 0,0-1 0,0 0 0,-1 0 0,0-2 0,-1-1 77,0-1 0,-2 0 0,0-1 0,-2-1 0,1 0 0,-1-1 0,-1 1 0,1-2 0,1 1 0,0-1 0,1 0 0,1 1 0,1-1 0,2 0-96,-5 1 1,2 0 0,2 0-1,1 0 1,1 0 0,-1-1 0,0 0-1,0 0 1,-3-1 0,-1-1 95,3 0 0,-2 0 0,0-1 0,-1-1 0,-2 1 0,1-1 0,-1 0 0,0 0 0,0-1 0,0 0 0,0 0 0,1 0 0,0 0-101,3-1 1,0-1 0,1 1 0,0-2 0,0 1 0,0-1 0,0 1-1,0-1 1,-1 1 0,-1-1 0,0 1 0,0 1 0,-2 0 100,5 0 0,-1 0 0,0 1 0,-1 0 0,-1-1 0,0 2 0,-1-1 0,0 0 0,0 0 0,0 1 0,0 0 0,1-1 0,-1 1 0,1 0 0,0 0 0,1 0 0,0 0 0,-1 0 0,-1 0 0,0 1 0,1 0 0,0-1 0,0 1 0,0 0 0,1 0 0,-1 0 0,1 0 0,1 0 0,-1 0 0,1 0 0,0 0 0,0 0 0,-3-1 0,-2 1 0,0-2 0,0 1 0,0 0 0,1-1 0,0 1 0,2 0 0,1 1 0,2 1 0,3 0 0,2 1 0,4 2 0,-19 7 0,4 2 0,5 2 0,7-1 0,8-1 612,4-2 0,9 3-612,3 20 0,6 8 0,7-4 0,3 3 0,0 4 0,-1-10 0,0 3 0,0 2 0,0 0 0,0 0 420,0 1 0,0-1 1,0 1-1,0 0 0,0 2-420,0-4 0,0 2 0,0 0 0,0 1 0,0 0 0,0 1 0,0-2 0,0 2 0,0 0 0,0 0 0,0 0 0,0-1 0,0-1 0,0-2 0,0-1 0,0-2 0,0 2 0,0 1 0,0 3 0,0 0 0,0 3 0,0 3 0,0 1 0,0 1 0,0-1 0,0-2 0,0-3 0,0-5 0,0 5 0,0-5 0,0-2 0,0 0 0,0 4 0,0-3 0,0 4 0,0 1 0,0 1 0,0-3 0,0-3 0,0-7 1092,0 6 0,0-7 0,0-3-786,0 3 1,0-7 0,0-9 0,0-42-1</inkml:trace>
+</inkml:ink>
+</file>
+
+<file path=ppt/ink/ink3.xml><?xml version="1.0" encoding="utf-8"?>
+<inkml:ink xmlns:inkml="http://www.w3.org/2003/InkML">
+  <inkml:definitions>
+    <inkml:context xml:id="ctx0">
+      <inkml:inkSource xml:id="inkSrc0">
+        <inkml:traceFormat>
+          <inkml:channel name="X" type="integer" min="-2.14748E9" max="2.14748E9" units="cm"/>
+          <inkml:channel name="Y" type="integer" min="-2.14748E9" max="2.14748E9" units="cm"/>
+          <inkml:channel name="F" type="integer" max="32767" units="dev"/>
+        </inkml:traceFormat>
+        <inkml:channelProperties>
+          <inkml:channelProperty channel="X" name="resolution" value="1000" units="1/cm"/>
+          <inkml:channelProperty channel="Y" name="resolution" value="1000" units="1/cm"/>
+          <inkml:channelProperty channel="F" name="resolution" value="0" units="1/dev"/>
+        </inkml:channelProperties>
+      </inkml:inkSource>
+      <inkml:timestamp xml:id="ts0" timeString="2022-10-03T23:17:30.194"/>
+    </inkml:context>
+    <inkml:brush xml:id="br0">
+      <inkml:brushProperty name="width" value="0.05" units="cm"/>
+      <inkml:brushProperty name="height" value="0.05" units="cm"/>
+    </inkml:brush>
+  </inkml:definitions>
+  <inkml:trace contextRef="#ctx0" brushRef="#br0">0 0 24575,'0'19'0,"0"11"0,0 13 0,0 8 0,0-7 0,0-15 0,0-15 0,0-11 0</inkml:trace>
+</inkml:ink>
+</file>
+
+<file path=ppt/ink/ink4.xml><?xml version="1.0" encoding="utf-8"?>
+<inkml:ink xmlns:inkml="http://www.w3.org/2003/InkML">
+  <inkml:definitions>
+    <inkml:context xml:id="ctx0">
+      <inkml:inkSource xml:id="inkSrc0">
+        <inkml:traceFormat>
+          <inkml:channel name="X" type="integer" min="-2.14748E9" max="2.14748E9" units="cm"/>
+          <inkml:channel name="Y" type="integer" min="-2.14748E9" max="2.14748E9" units="cm"/>
+          <inkml:channel name="F" type="integer" max="32767" units="dev"/>
+        </inkml:traceFormat>
+        <inkml:channelProperties>
+          <inkml:channelProperty channel="X" name="resolution" value="1000" units="1/cm"/>
+          <inkml:channelProperty channel="Y" name="resolution" value="1000" units="1/cm"/>
+          <inkml:channelProperty channel="F" name="resolution" value="0" units="1/dev"/>
+        </inkml:channelProperties>
+      </inkml:inkSource>
+      <inkml:timestamp xml:id="ts0" timeString="2022-10-03T23:17:31.700"/>
+    </inkml:context>
+    <inkml:brush xml:id="br0">
+      <inkml:brushProperty name="width" value="0.05" units="cm"/>
+      <inkml:brushProperty name="height" value="0.05" units="cm"/>
+    </inkml:brush>
+  </inkml:definitions>
+  <inkml:trace contextRef="#ctx0" brushRef="#br0">312 810 24575,'5'3'0,"-2"-1"0,-3-2 0,6 0 0,14 0 0,20-1 0,16-4 0,7-5 0,-7-10 0,-8-10 0,2-36 0,-24 20 0,5-40 0,-26 27 0,-3-18 0,-20-4 0,-19 7 0,-5 25 0,-5 3 0,-26-14 0,24 24 0,-1 6 0,-18 7 0,2 11 0,4 8 0,12 17 0,8 23 0,10 21 0,4 20 0,5 3 0,7-7 0,4-12 0,6-15 0,5-11 0,7-8 0,22-7 0,19-5 0,18-7 0,19-12 0,10-14 0,-29-1 0,-2-2 0,8-2 0,1-6 0</inkml:trace>
+</inkml:ink>
+</file>
+
+<file path=ppt/ink/ink5.xml><?xml version="1.0" encoding="utf-8"?>
+<inkml:ink xmlns:inkml="http://www.w3.org/2003/InkML">
+  <inkml:definitions>
+    <inkml:context xml:id="ctx0">
+      <inkml:inkSource xml:id="inkSrc0">
+        <inkml:traceFormat>
+          <inkml:channel name="X" type="integer" min="-2.14748E9" max="2.14748E9" units="cm"/>
+          <inkml:channel name="Y" type="integer" min="-2.14748E9" max="2.14748E9" units="cm"/>
+          <inkml:channel name="F" type="integer" max="32767" units="dev"/>
+        </inkml:traceFormat>
+        <inkml:channelProperties>
+          <inkml:channelProperty channel="X" name="resolution" value="1000" units="1/cm"/>
+          <inkml:channelProperty channel="Y" name="resolution" value="1000" units="1/cm"/>
+          <inkml:channelProperty channel="F" name="resolution" value="0" units="1/dev"/>
+        </inkml:channelProperties>
+      </inkml:inkSource>
+      <inkml:timestamp xml:id="ts0" timeString="2022-10-03T23:17:32.885"/>
+    </inkml:context>
+    <inkml:brush xml:id="br0">
+      <inkml:brushProperty name="width" value="0.05" units="cm"/>
+      <inkml:brushProperty name="height" value="0.05" units="cm"/>
+    </inkml:brush>
+  </inkml:definitions>
+  <inkml:trace contextRef="#ctx0" brushRef="#br0">6 321 24575,'-3'-1'0,"1"7"0,2 16 0,0 20 0,2 19 0,13 13 0,13-5 0,18-9 0,8-17 0,-1-18 0,-7-12 0,-12-11 0,-12-8 0,-9-6 0,-3-10 0,1-12 0,1-16 0,1-18 0,-3-16 0,-2-9 0,-5 2 0,-3 6 0,-9 13 0,-7 16 0,-10 18 0,-6 19 0,0 12 0,-3 14 0,-1 11 0,-5 14 0,-2 12 0,3 7 0,6 8 0,12 9 0,11-30 0,7-2 0</inkml:trace>
+</inkml:ink>
+</file>
+
+<file path=ppt/ink/ink6.xml><?xml version="1.0" encoding="utf-8"?>
+<inkml:ink xmlns:inkml="http://www.w3.org/2003/InkML">
+  <inkml:definitions>
+    <inkml:context xml:id="ctx0">
+      <inkml:inkSource xml:id="inkSrc0">
+        <inkml:traceFormat>
+          <inkml:channel name="X" type="integer" min="-2.14748E9" max="2.14748E9" units="cm"/>
+          <inkml:channel name="Y" type="integer" min="-2.14748E9" max="2.14748E9" units="cm"/>
+          <inkml:channel name="F" type="integer" max="32767" units="dev"/>
+        </inkml:traceFormat>
+        <inkml:channelProperties>
+          <inkml:channelProperty channel="X" name="resolution" value="1000" units="1/cm"/>
+          <inkml:channelProperty channel="Y" name="resolution" value="1000" units="1/cm"/>
+          <inkml:channelProperty channel="F" name="resolution" value="0" units="1/dev"/>
+        </inkml:channelProperties>
+      </inkml:inkSource>
+      <inkml:timestamp xml:id="ts0" timeString="2022-10-03T23:17:33.854"/>
+    </inkml:context>
+    <inkml:brush xml:id="br0">
+      <inkml:brushProperty name="width" value="0.05" units="cm"/>
+      <inkml:brushProperty name="height" value="0.05" units="cm"/>
+    </inkml:brush>
+  </inkml:definitions>
+  <inkml:trace contextRef="#ctx0" brushRef="#br0">125 267 24575,'-3'-3'0,"2"8"0,-1 12 0,2 15 0,0 12 0,4 3 0,9-5 0,10-12 0,9-15 0,4-8 0,0-11 0,4-17 0,2-14 0,-2-13 0,-7-4 0,-9 3 0,-11 1 0,-6 1 0,-5 0 0,-11 1 0,-7 7 0,-11 7 0,-9 12 0,-8 9 0,-11 8 0,-5 13 0,-1 13 0,7 17 0,10 15 0,15 13 0,11 2 0,10-27 0,5-13 0</inkml:trace>
+</inkml:ink>
+</file>
+
+<file path=ppt/ink/ink7.xml><?xml version="1.0" encoding="utf-8"?>
+<inkml:ink xmlns:inkml="http://www.w3.org/2003/InkML">
+  <inkml:definitions>
+    <inkml:context xml:id="ctx0">
+      <inkml:inkSource xml:id="inkSrc0">
+        <inkml:traceFormat>
+          <inkml:channel name="X" type="integer" min="-2.14748E9" max="2.14748E9" units="cm"/>
+          <inkml:channel name="Y" type="integer" min="-2.14748E9" max="2.14748E9" units="cm"/>
+          <inkml:channel name="F" type="integer" max="32767" units="dev"/>
+        </inkml:traceFormat>
+        <inkml:channelProperties>
+          <inkml:channelProperty channel="X" name="resolution" value="1000" units="1/cm"/>
+          <inkml:channelProperty channel="Y" name="resolution" value="1000" units="1/cm"/>
+          <inkml:channelProperty channel="F" name="resolution" value="0" units="1/dev"/>
+        </inkml:channelProperties>
+      </inkml:inkSource>
+      <inkml:timestamp xml:id="ts0" timeString="2022-10-03T23:17:34.820"/>
+    </inkml:context>
+    <inkml:brush xml:id="br0">
+      <inkml:brushProperty name="width" value="0.05" units="cm"/>
+      <inkml:brushProperty name="height" value="0.05" units="cm"/>
+    </inkml:brush>
+  </inkml:definitions>
+  <inkml:trace contextRef="#ctx0" brushRef="#br0">1 1 24575,'0'36'0,"0"31"0,0-11 0,0 8 0,0 18 0,0 4 0,0 5 0,0 1 0,0-8 0,0-4 0,0-16 0,0-7 0,0 18 0,1-38 0,2-19 0,5-16 0,2-1 0,-2-1 0,-3 0 0</inkml:trace>
+</inkml:ink>
+</file>
+
+<file path=ppt/ink/ink8.xml><?xml version="1.0" encoding="utf-8"?>
+<inkml:ink xmlns:inkml="http://www.w3.org/2003/InkML">
+  <inkml:definitions>
+    <inkml:context xml:id="ctx0">
+      <inkml:inkSource xml:id="inkSrc0">
+        <inkml:traceFormat>
+          <inkml:channel name="X" type="integer" min="-2.14748E9" max="2.14748E9" units="cm"/>
+          <inkml:channel name="Y" type="integer" min="-2.14748E9" max="2.14748E9" units="cm"/>
+          <inkml:channel name="F" type="integer" max="32767" units="dev"/>
+        </inkml:traceFormat>
+        <inkml:channelProperties>
+          <inkml:channelProperty channel="X" name="resolution" value="1000" units="1/cm"/>
+          <inkml:channelProperty channel="Y" name="resolution" value="1000" units="1/cm"/>
+          <inkml:channelProperty channel="F" name="resolution" value="0" units="1/dev"/>
+        </inkml:channelProperties>
+      </inkml:inkSource>
+      <inkml:timestamp xml:id="ts0" timeString="2022-10-03T23:17:35.987"/>
+    </inkml:context>
+    <inkml:brush xml:id="br0">
+      <inkml:brushProperty name="width" value="0.05" units="cm"/>
+      <inkml:brushProperty name="height" value="0.05" units="cm"/>
+    </inkml:brush>
+  </inkml:definitions>
+  <inkml:trace contextRef="#ctx0" brushRef="#br0">97 0 24575,'-5'27'0,"-9"21"0,-6 17 0,-4 9 0,6-11 0,8-21 0,6-17 0,2-14 0,3-7 0,7-4 0,6-2 0,16-4 0,17-4 0,14 0 0,9 1 0,-7 3 0,-17 3 0,-16 0 0,-12 1 0,-8 2 0,-4-1 0,-3-6 0,-3 5 0,0-4 0</inkml:trace>
+</inkml:ink>
+</file>
+
+<file path=ppt/ink/ink9.xml><?xml version="1.0" encoding="utf-8"?>
+<inkml:ink xmlns:inkml="http://www.w3.org/2003/InkML">
+  <inkml:definitions>
+    <inkml:context xml:id="ctx0">
+      <inkml:inkSource xml:id="inkSrc0">
+        <inkml:traceFormat>
+          <inkml:channel name="X" type="integer" min="-2.14748E9" max="2.14748E9" units="cm"/>
+          <inkml:channel name="Y" type="integer" min="-2.14748E9" max="2.14748E9" units="cm"/>
+          <inkml:channel name="F" type="integer" max="32767" units="dev"/>
+        </inkml:traceFormat>
+        <inkml:channelProperties>
+          <inkml:channelProperty channel="X" name="resolution" value="1000" units="1/cm"/>
+          <inkml:channelProperty channel="Y" name="resolution" value="1000" units="1/cm"/>
+          <inkml:channelProperty channel="F" name="resolution" value="0" units="1/dev"/>
+        </inkml:channelProperties>
+      </inkml:inkSource>
+      <inkml:timestamp xml:id="ts0" timeString="2022-10-03T23:17:36.137"/>
+    </inkml:context>
+    <inkml:brush xml:id="br0">
+      <inkml:brushProperty name="width" value="0.05" units="cm"/>
+      <inkml:brushProperty name="height" value="0.05" units="cm"/>
+    </inkml:brush>
+  </inkml:definitions>
+  <inkml:trace contextRef="#ctx0" brushRef="#br0">0 0 24575,'0'0'0</inkml:trace>
+</inkml:ink>
 </file>
 
 <file path=ppt/notesMasters/notesMaster1.xml><?xml version="1.0" encoding="utf-8"?>
@@ -15918,7 +16515,7 @@
         </p:blipFill>
         <p:spPr>
           <a:xfrm>
-            <a:off x="3306066" y="0"/>
+            <a:off x="2675446" y="896679"/>
             <a:ext cx="6841108" cy="6858000"/>
           </a:xfrm>
           <a:prstGeom prst="rect">
@@ -16038,7 +16635,7 @@
                 </a:solidFill>
                 <a:latin typeface="Source Code Pro" panose="020F0502020204030204" pitchFamily="34" charset="0"/>
               </a:rPr>
-              <a:t>all=TRUE</a:t>
+              <a:t>all=FALSE</a:t>
             </a:r>
           </a:p>
         </p:txBody>
@@ -16094,6 +16691,1182 @@
           </a:p>
         </p:txBody>
       </p:sp>
+      <p:grpSp>
+        <p:nvGrpSpPr>
+          <p:cNvPr id="22" name="Grupo 21">
+            <a:extLst>
+              <a:ext uri="{FF2B5EF4-FFF2-40B4-BE49-F238E27FC236}">
+                <a16:creationId xmlns:a16="http://schemas.microsoft.com/office/drawing/2014/main" id="{9B6ADE84-2640-B426-644D-8F875E775070}"/>
+              </a:ext>
+            </a:extLst>
+          </p:cNvPr>
+          <p:cNvGrpSpPr/>
+          <p:nvPr/>
+        </p:nvGrpSpPr>
+        <p:grpSpPr>
+          <a:xfrm>
+            <a:off x="1793866" y="2057127"/>
+            <a:ext cx="1272960" cy="551160"/>
+            <a:chOff x="1793866" y="2057127"/>
+            <a:chExt cx="1272960" cy="551160"/>
+          </a:xfrm>
+        </p:grpSpPr>
+        <mc:AlternateContent xmlns:mc="http://schemas.openxmlformats.org/markup-compatibility/2006">
+          <mc:Choice xmlns:p14="http://schemas.microsoft.com/office/powerpoint/2010/main" Requires="p14">
+            <p:contentPart p14:bwMode="auto" r:id="rId3">
+              <p14:nvContentPartPr>
+                <p14:cNvPr id="2" name="Entrada de lápiz 1">
+                  <a:extLst>
+                    <a:ext uri="{FF2B5EF4-FFF2-40B4-BE49-F238E27FC236}">
+                      <a16:creationId xmlns:a16="http://schemas.microsoft.com/office/drawing/2014/main" id="{1D0DDAFB-16D6-D66D-6242-5D4458F095CF}"/>
+                    </a:ext>
+                  </a:extLst>
+                </p14:cNvPr>
+                <p14:cNvContentPartPr/>
+                <p14:nvPr/>
+              </p14:nvContentPartPr>
+              <p14:xfrm>
+                <a:off x="1793866" y="2276007"/>
+                <a:ext cx="174600" cy="289800"/>
+              </p14:xfrm>
+            </p:contentPart>
+          </mc:Choice>
+          <mc:Fallback>
+            <p:pic>
+              <p:nvPicPr>
+                <p:cNvPr id="2" name="Entrada de lápiz 1">
+                  <a:extLst>
+                    <a:ext uri="{FF2B5EF4-FFF2-40B4-BE49-F238E27FC236}">
+                      <a16:creationId xmlns:a16="http://schemas.microsoft.com/office/drawing/2014/main" id="{1D0DDAFB-16D6-D66D-6242-5D4458F095CF}"/>
+                    </a:ext>
+                  </a:extLst>
+                </p:cNvPr>
+                <p:cNvPicPr/>
+                <p:nvPr/>
+              </p:nvPicPr>
+              <p:blipFill>
+                <a:blip r:embed="rId4"/>
+                <a:stretch>
+                  <a:fillRect/>
+                </a:stretch>
+              </p:blipFill>
+              <p:spPr>
+                <a:xfrm>
+                  <a:off x="1785226" y="2267367"/>
+                  <a:ext cx="192240" cy="307440"/>
+                </a:xfrm>
+                <a:prstGeom prst="rect">
+                  <a:avLst/>
+                </a:prstGeom>
+              </p:spPr>
+            </p:pic>
+          </mc:Fallback>
+        </mc:AlternateContent>
+        <mc:AlternateContent xmlns:mc="http://schemas.openxmlformats.org/markup-compatibility/2006">
+          <mc:Choice xmlns:p14="http://schemas.microsoft.com/office/powerpoint/2010/main" Requires="p14">
+            <p:contentPart p14:bwMode="auto" r:id="rId5">
+              <p14:nvContentPartPr>
+                <p14:cNvPr id="3" name="Entrada de lápiz 2">
+                  <a:extLst>
+                    <a:ext uri="{FF2B5EF4-FFF2-40B4-BE49-F238E27FC236}">
+                      <a16:creationId xmlns:a16="http://schemas.microsoft.com/office/drawing/2014/main" id="{BA7298F2-0C80-1B01-895F-C11CCFC5A3CA}"/>
+                    </a:ext>
+                  </a:extLst>
+                </p14:cNvPr>
+                <p14:cNvContentPartPr/>
+                <p14:nvPr/>
+              </p14:nvContentPartPr>
+              <p14:xfrm>
+                <a:off x="2023186" y="2261247"/>
+                <a:ext cx="119160" cy="221760"/>
+              </p14:xfrm>
+            </p:contentPart>
+          </mc:Choice>
+          <mc:Fallback>
+            <p:pic>
+              <p:nvPicPr>
+                <p:cNvPr id="3" name="Entrada de lápiz 2">
+                  <a:extLst>
+                    <a:ext uri="{FF2B5EF4-FFF2-40B4-BE49-F238E27FC236}">
+                      <a16:creationId xmlns:a16="http://schemas.microsoft.com/office/drawing/2014/main" id="{BA7298F2-0C80-1B01-895F-C11CCFC5A3CA}"/>
+                    </a:ext>
+                  </a:extLst>
+                </p:cNvPr>
+                <p:cNvPicPr/>
+                <p:nvPr/>
+              </p:nvPicPr>
+              <p:blipFill>
+                <a:blip r:embed="rId6"/>
+                <a:stretch>
+                  <a:fillRect/>
+                </a:stretch>
+              </p:blipFill>
+              <p:spPr>
+                <a:xfrm>
+                  <a:off x="2014186" y="2252607"/>
+                  <a:ext cx="136800" cy="239400"/>
+                </a:xfrm>
+                <a:prstGeom prst="rect">
+                  <a:avLst/>
+                </a:prstGeom>
+              </p:spPr>
+            </p:pic>
+          </mc:Fallback>
+        </mc:AlternateContent>
+        <mc:AlternateContent xmlns:mc="http://schemas.openxmlformats.org/markup-compatibility/2006">
+          <mc:Choice xmlns:p14="http://schemas.microsoft.com/office/powerpoint/2010/main" Requires="p14">
+            <p:contentPart p14:bwMode="auto" r:id="rId7">
+              <p14:nvContentPartPr>
+                <p14:cNvPr id="4" name="Entrada de lápiz 3">
+                  <a:extLst>
+                    <a:ext uri="{FF2B5EF4-FFF2-40B4-BE49-F238E27FC236}">
+                      <a16:creationId xmlns:a16="http://schemas.microsoft.com/office/drawing/2014/main" id="{2221ED83-ACAD-9746-C5B0-9CE59A197444}"/>
+                    </a:ext>
+                  </a:extLst>
+                </p14:cNvPr>
+                <p14:cNvContentPartPr/>
+                <p14:nvPr/>
+              </p14:nvContentPartPr>
+              <p14:xfrm>
+                <a:off x="2334946" y="2524047"/>
+                <a:ext cx="360" cy="84240"/>
+              </p14:xfrm>
+            </p:contentPart>
+          </mc:Choice>
+          <mc:Fallback>
+            <p:pic>
+              <p:nvPicPr>
+                <p:cNvPr id="4" name="Entrada de lápiz 3">
+                  <a:extLst>
+                    <a:ext uri="{FF2B5EF4-FFF2-40B4-BE49-F238E27FC236}">
+                      <a16:creationId xmlns:a16="http://schemas.microsoft.com/office/drawing/2014/main" id="{2221ED83-ACAD-9746-C5B0-9CE59A197444}"/>
+                    </a:ext>
+                  </a:extLst>
+                </p:cNvPr>
+                <p:cNvPicPr/>
+                <p:nvPr/>
+              </p:nvPicPr>
+              <p:blipFill>
+                <a:blip r:embed="rId8"/>
+                <a:stretch>
+                  <a:fillRect/>
+                </a:stretch>
+              </p:blipFill>
+              <p:spPr>
+                <a:xfrm>
+                  <a:off x="2325946" y="2515047"/>
+                  <a:ext cx="18000" cy="101880"/>
+                </a:xfrm>
+                <a:prstGeom prst="rect">
+                  <a:avLst/>
+                </a:prstGeom>
+              </p:spPr>
+            </p:pic>
+          </mc:Fallback>
+        </mc:AlternateContent>
+        <mc:AlternateContent xmlns:mc="http://schemas.openxmlformats.org/markup-compatibility/2006">
+          <mc:Choice xmlns:p14="http://schemas.microsoft.com/office/powerpoint/2010/main" Requires="p14">
+            <p:contentPart p14:bwMode="auto" r:id="rId9">
+              <p14:nvContentPartPr>
+                <p14:cNvPr id="5" name="Entrada de lápiz 4">
+                  <a:extLst>
+                    <a:ext uri="{FF2B5EF4-FFF2-40B4-BE49-F238E27FC236}">
+                      <a16:creationId xmlns:a16="http://schemas.microsoft.com/office/drawing/2014/main" id="{873BCA26-0FFC-890A-E95C-7E434A12348A}"/>
+                    </a:ext>
+                  </a:extLst>
+                </p14:cNvPr>
+                <p14:cNvContentPartPr/>
+                <p14:nvPr/>
+              </p14:nvContentPartPr>
+              <p14:xfrm>
+                <a:off x="2291026" y="2160087"/>
+                <a:ext cx="260280" cy="293760"/>
+              </p14:xfrm>
+            </p:contentPart>
+          </mc:Choice>
+          <mc:Fallback>
+            <p:pic>
+              <p:nvPicPr>
+                <p:cNvPr id="5" name="Entrada de lápiz 4">
+                  <a:extLst>
+                    <a:ext uri="{FF2B5EF4-FFF2-40B4-BE49-F238E27FC236}">
+                      <a16:creationId xmlns:a16="http://schemas.microsoft.com/office/drawing/2014/main" id="{873BCA26-0FFC-890A-E95C-7E434A12348A}"/>
+                    </a:ext>
+                  </a:extLst>
+                </p:cNvPr>
+                <p:cNvPicPr/>
+                <p:nvPr/>
+              </p:nvPicPr>
+              <p:blipFill>
+                <a:blip r:embed="rId10"/>
+                <a:stretch>
+                  <a:fillRect/>
+                </a:stretch>
+              </p:blipFill>
+              <p:spPr>
+                <a:xfrm>
+                  <a:off x="2282386" y="2151087"/>
+                  <a:ext cx="277920" cy="311400"/>
+                </a:xfrm>
+                <a:prstGeom prst="rect">
+                  <a:avLst/>
+                </a:prstGeom>
+              </p:spPr>
+            </p:pic>
+          </mc:Fallback>
+        </mc:AlternateContent>
+        <mc:AlternateContent xmlns:mc="http://schemas.openxmlformats.org/markup-compatibility/2006">
+          <mc:Choice xmlns:p14="http://schemas.microsoft.com/office/powerpoint/2010/main" Requires="p14">
+            <p:contentPart p14:bwMode="auto" r:id="rId11">
+              <p14:nvContentPartPr>
+                <p14:cNvPr id="6" name="Entrada de lápiz 5">
+                  <a:extLst>
+                    <a:ext uri="{FF2B5EF4-FFF2-40B4-BE49-F238E27FC236}">
+                      <a16:creationId xmlns:a16="http://schemas.microsoft.com/office/drawing/2014/main" id="{EE7BFBF8-3B16-3275-8440-3CEF63B2DC01}"/>
+                    </a:ext>
+                  </a:extLst>
+                </p14:cNvPr>
+                <p14:cNvContentPartPr/>
+                <p14:nvPr/>
+              </p14:nvContentPartPr>
+              <p14:xfrm>
+                <a:off x="2662546" y="2088807"/>
+                <a:ext cx="137520" cy="265680"/>
+              </p14:xfrm>
+            </p:contentPart>
+          </mc:Choice>
+          <mc:Fallback>
+            <p:pic>
+              <p:nvPicPr>
+                <p:cNvPr id="6" name="Entrada de lápiz 5">
+                  <a:extLst>
+                    <a:ext uri="{FF2B5EF4-FFF2-40B4-BE49-F238E27FC236}">
+                      <a16:creationId xmlns:a16="http://schemas.microsoft.com/office/drawing/2014/main" id="{EE7BFBF8-3B16-3275-8440-3CEF63B2DC01}"/>
+                    </a:ext>
+                  </a:extLst>
+                </p:cNvPr>
+                <p:cNvPicPr/>
+                <p:nvPr/>
+              </p:nvPicPr>
+              <p:blipFill>
+                <a:blip r:embed="rId12"/>
+                <a:stretch>
+                  <a:fillRect/>
+                </a:stretch>
+              </p:blipFill>
+              <p:spPr>
+                <a:xfrm>
+                  <a:off x="2653546" y="2079807"/>
+                  <a:ext cx="155160" cy="283320"/>
+                </a:xfrm>
+                <a:prstGeom prst="rect">
+                  <a:avLst/>
+                </a:prstGeom>
+              </p:spPr>
+            </p:pic>
+          </mc:Fallback>
+        </mc:AlternateContent>
+        <mc:AlternateContent xmlns:mc="http://schemas.openxmlformats.org/markup-compatibility/2006">
+          <mc:Choice xmlns:p14="http://schemas.microsoft.com/office/powerpoint/2010/main" Requires="p14">
+            <p:contentPart p14:bwMode="auto" r:id="rId13">
+              <p14:nvContentPartPr>
+                <p14:cNvPr id="7" name="Entrada de lápiz 6">
+                  <a:extLst>
+                    <a:ext uri="{FF2B5EF4-FFF2-40B4-BE49-F238E27FC236}">
+                      <a16:creationId xmlns:a16="http://schemas.microsoft.com/office/drawing/2014/main" id="{A5F17140-11CC-BF83-F7AE-C0E070F238BE}"/>
+                    </a:ext>
+                  </a:extLst>
+                </p14:cNvPr>
+                <p14:cNvContentPartPr/>
+                <p14:nvPr/>
+              </p14:nvContentPartPr>
+              <p14:xfrm>
+                <a:off x="2899786" y="2057127"/>
+                <a:ext cx="167040" cy="181080"/>
+              </p14:xfrm>
+            </p:contentPart>
+          </mc:Choice>
+          <mc:Fallback>
+            <p:pic>
+              <p:nvPicPr>
+                <p:cNvPr id="7" name="Entrada de lápiz 6">
+                  <a:extLst>
+                    <a:ext uri="{FF2B5EF4-FFF2-40B4-BE49-F238E27FC236}">
+                      <a16:creationId xmlns:a16="http://schemas.microsoft.com/office/drawing/2014/main" id="{A5F17140-11CC-BF83-F7AE-C0E070F238BE}"/>
+                    </a:ext>
+                  </a:extLst>
+                </p:cNvPr>
+                <p:cNvPicPr/>
+                <p:nvPr/>
+              </p:nvPicPr>
+              <p:blipFill>
+                <a:blip r:embed="rId14"/>
+                <a:stretch>
+                  <a:fillRect/>
+                </a:stretch>
+              </p:blipFill>
+              <p:spPr>
+                <a:xfrm>
+                  <a:off x="2890786" y="2048487"/>
+                  <a:ext cx="184680" cy="198720"/>
+                </a:xfrm>
+                <a:prstGeom prst="rect">
+                  <a:avLst/>
+                </a:prstGeom>
+              </p:spPr>
+            </p:pic>
+          </mc:Fallback>
+        </mc:AlternateContent>
+      </p:grpSp>
+      <mc:AlternateContent xmlns:mc="http://schemas.openxmlformats.org/markup-compatibility/2006">
+        <mc:Choice xmlns:p14="http://schemas.microsoft.com/office/powerpoint/2010/main" Requires="p14">
+          <p:contentPart p14:bwMode="auto" r:id="rId15">
+            <p14:nvContentPartPr>
+              <p14:cNvPr id="8" name="Entrada de lápiz 7">
+                <a:extLst>
+                  <a:ext uri="{FF2B5EF4-FFF2-40B4-BE49-F238E27FC236}">
+                    <a16:creationId xmlns:a16="http://schemas.microsoft.com/office/drawing/2014/main" id="{95DEF39E-86ED-FBC4-4F6F-9DCA8E7E6A59}"/>
+                  </a:ext>
+                </a:extLst>
+              </p14:cNvPr>
+              <p14:cNvContentPartPr/>
+              <p14:nvPr/>
+            </p14:nvContentPartPr>
+            <p14:xfrm>
+              <a:off x="6040426" y="3170967"/>
+              <a:ext cx="12960" cy="357480"/>
+            </p14:xfrm>
+          </p:contentPart>
+        </mc:Choice>
+        <mc:Fallback>
+          <p:pic>
+            <p:nvPicPr>
+              <p:cNvPr id="8" name="Entrada de lápiz 7">
+                <a:extLst>
+                  <a:ext uri="{FF2B5EF4-FFF2-40B4-BE49-F238E27FC236}">
+                    <a16:creationId xmlns:a16="http://schemas.microsoft.com/office/drawing/2014/main" id="{95DEF39E-86ED-FBC4-4F6F-9DCA8E7E6A59}"/>
+                  </a:ext>
+                </a:extLst>
+              </p:cNvPr>
+              <p:cNvPicPr/>
+              <p:nvPr/>
+            </p:nvPicPr>
+            <p:blipFill>
+              <a:blip r:embed="rId16"/>
+              <a:stretch>
+                <a:fillRect/>
+              </a:stretch>
+            </p:blipFill>
+            <p:spPr>
+              <a:xfrm>
+                <a:off x="6031786" y="3162327"/>
+                <a:ext cx="30600" cy="375120"/>
+              </a:xfrm>
+              <a:prstGeom prst="rect">
+                <a:avLst/>
+              </a:prstGeom>
+            </p:spPr>
+          </p:pic>
+        </mc:Fallback>
+      </mc:AlternateContent>
+      <p:grpSp>
+        <p:nvGrpSpPr>
+          <p:cNvPr id="20" name="Grupo 19">
+            <a:extLst>
+              <a:ext uri="{FF2B5EF4-FFF2-40B4-BE49-F238E27FC236}">
+                <a16:creationId xmlns:a16="http://schemas.microsoft.com/office/drawing/2014/main" id="{B8E64C12-8938-13BE-06CE-6077D28F4620}"/>
+              </a:ext>
+            </a:extLst>
+          </p:cNvPr>
+          <p:cNvGrpSpPr/>
+          <p:nvPr/>
+        </p:nvGrpSpPr>
+        <p:grpSpPr>
+          <a:xfrm>
+            <a:off x="6220786" y="3172047"/>
+            <a:ext cx="307440" cy="508320"/>
+            <a:chOff x="6220786" y="3172047"/>
+            <a:chExt cx="307440" cy="508320"/>
+          </a:xfrm>
+        </p:grpSpPr>
+        <mc:AlternateContent xmlns:mc="http://schemas.openxmlformats.org/markup-compatibility/2006">
+          <mc:Choice xmlns:p14="http://schemas.microsoft.com/office/powerpoint/2010/main" Requires="p14">
+            <p:contentPart p14:bwMode="auto" r:id="rId17">
+              <p14:nvContentPartPr>
+                <p14:cNvPr id="9" name="Entrada de lápiz 8">
+                  <a:extLst>
+                    <a:ext uri="{FF2B5EF4-FFF2-40B4-BE49-F238E27FC236}">
+                      <a16:creationId xmlns:a16="http://schemas.microsoft.com/office/drawing/2014/main" id="{2C114878-170E-7D40-A3EC-E255088A22FF}"/>
+                    </a:ext>
+                  </a:extLst>
+                </p14:cNvPr>
+                <p14:cNvContentPartPr/>
+                <p14:nvPr/>
+              </p14:nvContentPartPr>
+              <p14:xfrm>
+                <a:off x="6220786" y="3172047"/>
+                <a:ext cx="146880" cy="129600"/>
+              </p14:xfrm>
+            </p:contentPart>
+          </mc:Choice>
+          <mc:Fallback>
+            <p:pic>
+              <p:nvPicPr>
+                <p:cNvPr id="9" name="Entrada de lápiz 8">
+                  <a:extLst>
+                    <a:ext uri="{FF2B5EF4-FFF2-40B4-BE49-F238E27FC236}">
+                      <a16:creationId xmlns:a16="http://schemas.microsoft.com/office/drawing/2014/main" id="{2C114878-170E-7D40-A3EC-E255088A22FF}"/>
+                    </a:ext>
+                  </a:extLst>
+                </p:cNvPr>
+                <p:cNvPicPr/>
+                <p:nvPr/>
+              </p:nvPicPr>
+              <p:blipFill>
+                <a:blip r:embed="rId18"/>
+                <a:stretch>
+                  <a:fillRect/>
+                </a:stretch>
+              </p:blipFill>
+              <p:spPr>
+                <a:xfrm>
+                  <a:off x="6211786" y="3163047"/>
+                  <a:ext cx="164520" cy="147240"/>
+                </a:xfrm>
+                <a:prstGeom prst="rect">
+                  <a:avLst/>
+                </a:prstGeom>
+              </p:spPr>
+            </p:pic>
+          </mc:Fallback>
+        </mc:AlternateContent>
+        <mc:AlternateContent xmlns:mc="http://schemas.openxmlformats.org/markup-compatibility/2006">
+          <mc:Choice xmlns:p14="http://schemas.microsoft.com/office/powerpoint/2010/main" Requires="p14">
+            <p:contentPart p14:bwMode="auto" r:id="rId19">
+              <p14:nvContentPartPr>
+                <p14:cNvPr id="10" name="Entrada de lápiz 9">
+                  <a:extLst>
+                    <a:ext uri="{FF2B5EF4-FFF2-40B4-BE49-F238E27FC236}">
+                      <a16:creationId xmlns:a16="http://schemas.microsoft.com/office/drawing/2014/main" id="{91BF388A-7F26-1298-02B6-794EA794713A}"/>
+                    </a:ext>
+                  </a:extLst>
+                </p14:cNvPr>
+                <p14:cNvContentPartPr/>
+                <p14:nvPr/>
+              </p14:nvContentPartPr>
+              <p14:xfrm>
+                <a:off x="6363706" y="3236127"/>
+                <a:ext cx="360" cy="360"/>
+              </p14:xfrm>
+            </p:contentPart>
+          </mc:Choice>
+          <mc:Fallback>
+            <p:pic>
+              <p:nvPicPr>
+                <p:cNvPr id="10" name="Entrada de lápiz 9">
+                  <a:extLst>
+                    <a:ext uri="{FF2B5EF4-FFF2-40B4-BE49-F238E27FC236}">
+                      <a16:creationId xmlns:a16="http://schemas.microsoft.com/office/drawing/2014/main" id="{91BF388A-7F26-1298-02B6-794EA794713A}"/>
+                    </a:ext>
+                  </a:extLst>
+                </p:cNvPr>
+                <p:cNvPicPr/>
+                <p:nvPr/>
+              </p:nvPicPr>
+              <p:blipFill>
+                <a:blip r:embed="rId20"/>
+                <a:stretch>
+                  <a:fillRect/>
+                </a:stretch>
+              </p:blipFill>
+              <p:spPr>
+                <a:xfrm>
+                  <a:off x="6354706" y="3227127"/>
+                  <a:ext cx="18000" cy="18000"/>
+                </a:xfrm>
+                <a:prstGeom prst="rect">
+                  <a:avLst/>
+                </a:prstGeom>
+              </p:spPr>
+            </p:pic>
+          </mc:Fallback>
+        </mc:AlternateContent>
+        <mc:AlternateContent xmlns:mc="http://schemas.openxmlformats.org/markup-compatibility/2006">
+          <mc:Choice xmlns:p14="http://schemas.microsoft.com/office/powerpoint/2010/main" Requires="p14">
+            <p:contentPart p14:bwMode="auto" r:id="rId21">
+              <p14:nvContentPartPr>
+                <p14:cNvPr id="12" name="Entrada de lápiz 11">
+                  <a:extLst>
+                    <a:ext uri="{FF2B5EF4-FFF2-40B4-BE49-F238E27FC236}">
+                      <a16:creationId xmlns:a16="http://schemas.microsoft.com/office/drawing/2014/main" id="{B9D653F7-7FDB-4601-3C10-EC3E4C9C5794}"/>
+                    </a:ext>
+                  </a:extLst>
+                </p14:cNvPr>
+                <p14:cNvContentPartPr/>
+                <p14:nvPr/>
+              </p14:nvContentPartPr>
+              <p14:xfrm>
+                <a:off x="6359026" y="3236127"/>
+                <a:ext cx="58320" cy="270720"/>
+              </p14:xfrm>
+            </p:contentPart>
+          </mc:Choice>
+          <mc:Fallback>
+            <p:pic>
+              <p:nvPicPr>
+                <p:cNvPr id="12" name="Entrada de lápiz 11">
+                  <a:extLst>
+                    <a:ext uri="{FF2B5EF4-FFF2-40B4-BE49-F238E27FC236}">
+                      <a16:creationId xmlns:a16="http://schemas.microsoft.com/office/drawing/2014/main" id="{B9D653F7-7FDB-4601-3C10-EC3E4C9C5794}"/>
+                    </a:ext>
+                  </a:extLst>
+                </p:cNvPr>
+                <p:cNvPicPr/>
+                <p:nvPr/>
+              </p:nvPicPr>
+              <p:blipFill>
+                <a:blip r:embed="rId22"/>
+                <a:stretch>
+                  <a:fillRect/>
+                </a:stretch>
+              </p:blipFill>
+              <p:spPr>
+                <a:xfrm>
+                  <a:off x="6350386" y="3227127"/>
+                  <a:ext cx="75960" cy="288360"/>
+                </a:xfrm>
+                <a:prstGeom prst="rect">
+                  <a:avLst/>
+                </a:prstGeom>
+              </p:spPr>
+            </p:pic>
+          </mc:Fallback>
+        </mc:AlternateContent>
+        <mc:AlternateContent xmlns:mc="http://schemas.openxmlformats.org/markup-compatibility/2006">
+          <mc:Choice xmlns:p14="http://schemas.microsoft.com/office/powerpoint/2010/main" Requires="p14">
+            <p:contentPart p14:bwMode="auto" r:id="rId23">
+              <p14:nvContentPartPr>
+                <p14:cNvPr id="13" name="Entrada de lápiz 12">
+                  <a:extLst>
+                    <a:ext uri="{FF2B5EF4-FFF2-40B4-BE49-F238E27FC236}">
+                      <a16:creationId xmlns:a16="http://schemas.microsoft.com/office/drawing/2014/main" id="{D6D87745-B646-CB9A-5319-02310889D2BC}"/>
+                    </a:ext>
+                  </a:extLst>
+                </p14:cNvPr>
+                <p14:cNvContentPartPr/>
+                <p14:nvPr/>
+              </p14:nvContentPartPr>
+              <p14:xfrm>
+                <a:off x="6496186" y="3508287"/>
+                <a:ext cx="32040" cy="172080"/>
+              </p14:xfrm>
+            </p:contentPart>
+          </mc:Choice>
+          <mc:Fallback>
+            <p:pic>
+              <p:nvPicPr>
+                <p:cNvPr id="13" name="Entrada de lápiz 12">
+                  <a:extLst>
+                    <a:ext uri="{FF2B5EF4-FFF2-40B4-BE49-F238E27FC236}">
+                      <a16:creationId xmlns:a16="http://schemas.microsoft.com/office/drawing/2014/main" id="{D6D87745-B646-CB9A-5319-02310889D2BC}"/>
+                    </a:ext>
+                  </a:extLst>
+                </p:cNvPr>
+                <p:cNvPicPr/>
+                <p:nvPr/>
+              </p:nvPicPr>
+              <p:blipFill>
+                <a:blip r:embed="rId24"/>
+                <a:stretch>
+                  <a:fillRect/>
+                </a:stretch>
+              </p:blipFill>
+              <p:spPr>
+                <a:xfrm>
+                  <a:off x="6487546" y="3499647"/>
+                  <a:ext cx="49680" cy="189720"/>
+                </a:xfrm>
+                <a:prstGeom prst="rect">
+                  <a:avLst/>
+                </a:prstGeom>
+              </p:spPr>
+            </p:pic>
+          </mc:Fallback>
+        </mc:AlternateContent>
+      </p:grpSp>
+      <mc:AlternateContent xmlns:mc="http://schemas.openxmlformats.org/markup-compatibility/2006">
+        <mc:Choice xmlns:p14="http://schemas.microsoft.com/office/powerpoint/2010/main" Requires="p14">
+          <p:contentPart p14:bwMode="auto" r:id="rId25">
+            <p14:nvContentPartPr>
+              <p14:cNvPr id="16" name="Entrada de lápiz 15">
+                <a:extLst>
+                  <a:ext uri="{FF2B5EF4-FFF2-40B4-BE49-F238E27FC236}">
+                    <a16:creationId xmlns:a16="http://schemas.microsoft.com/office/drawing/2014/main" id="{BB9BCB87-F0FD-7AB4-0B08-3E57A0836B5A}"/>
+                  </a:ext>
+                </a:extLst>
+              </p14:cNvPr>
+              <p14:cNvContentPartPr/>
+              <p14:nvPr/>
+            </p14:nvContentPartPr>
+            <p14:xfrm>
+              <a:off x="6673666" y="3238287"/>
+              <a:ext cx="158760" cy="250200"/>
+            </p14:xfrm>
+          </p:contentPart>
+        </mc:Choice>
+        <mc:Fallback>
+          <p:pic>
+            <p:nvPicPr>
+              <p:cNvPr id="16" name="Entrada de lápiz 15">
+                <a:extLst>
+                  <a:ext uri="{FF2B5EF4-FFF2-40B4-BE49-F238E27FC236}">
+                    <a16:creationId xmlns:a16="http://schemas.microsoft.com/office/drawing/2014/main" id="{BB9BCB87-F0FD-7AB4-0B08-3E57A0836B5A}"/>
+                  </a:ext>
+                </a:extLst>
+              </p:cNvPr>
+              <p:cNvPicPr/>
+              <p:nvPr/>
+            </p:nvPicPr>
+            <p:blipFill>
+              <a:blip r:embed="rId26"/>
+              <a:stretch>
+                <a:fillRect/>
+              </a:stretch>
+            </p:blipFill>
+            <p:spPr>
+              <a:xfrm>
+                <a:off x="6664666" y="3229287"/>
+                <a:ext cx="176400" cy="267840"/>
+              </a:xfrm>
+              <a:prstGeom prst="rect">
+                <a:avLst/>
+              </a:prstGeom>
+            </p:spPr>
+          </p:pic>
+        </mc:Fallback>
+      </mc:AlternateContent>
+      <p:grpSp>
+        <p:nvGrpSpPr>
+          <p:cNvPr id="19" name="Grupo 18">
+            <a:extLst>
+              <a:ext uri="{FF2B5EF4-FFF2-40B4-BE49-F238E27FC236}">
+                <a16:creationId xmlns:a16="http://schemas.microsoft.com/office/drawing/2014/main" id="{B4874C3E-EC2E-5109-E42F-7E1F71838894}"/>
+              </a:ext>
+            </a:extLst>
+          </p:cNvPr>
+          <p:cNvGrpSpPr/>
+          <p:nvPr/>
+        </p:nvGrpSpPr>
+        <p:grpSpPr>
+          <a:xfrm>
+            <a:off x="6980026" y="3305247"/>
+            <a:ext cx="391680" cy="307800"/>
+            <a:chOff x="6980026" y="3305247"/>
+            <a:chExt cx="391680" cy="307800"/>
+          </a:xfrm>
+        </p:grpSpPr>
+        <mc:AlternateContent xmlns:mc="http://schemas.openxmlformats.org/markup-compatibility/2006">
+          <mc:Choice xmlns:p14="http://schemas.microsoft.com/office/powerpoint/2010/main" Requires="p14">
+            <p:contentPart p14:bwMode="auto" r:id="rId27">
+              <p14:nvContentPartPr>
+                <p14:cNvPr id="17" name="Entrada de lápiz 16">
+                  <a:extLst>
+                    <a:ext uri="{FF2B5EF4-FFF2-40B4-BE49-F238E27FC236}">
+                      <a16:creationId xmlns:a16="http://schemas.microsoft.com/office/drawing/2014/main" id="{CCC3E546-C863-EF66-C776-C69F3A724DA5}"/>
+                    </a:ext>
+                  </a:extLst>
+                </p14:cNvPr>
+                <p14:cNvContentPartPr/>
+                <p14:nvPr/>
+              </p14:nvContentPartPr>
+              <p14:xfrm>
+                <a:off x="6980026" y="3305247"/>
+                <a:ext cx="163440" cy="307800"/>
+              </p14:xfrm>
+            </p:contentPart>
+          </mc:Choice>
+          <mc:Fallback>
+            <p:pic>
+              <p:nvPicPr>
+                <p:cNvPr id="17" name="Entrada de lápiz 16">
+                  <a:extLst>
+                    <a:ext uri="{FF2B5EF4-FFF2-40B4-BE49-F238E27FC236}">
+                      <a16:creationId xmlns:a16="http://schemas.microsoft.com/office/drawing/2014/main" id="{CCC3E546-C863-EF66-C776-C69F3A724DA5}"/>
+                    </a:ext>
+                  </a:extLst>
+                </p:cNvPr>
+                <p:cNvPicPr/>
+                <p:nvPr/>
+              </p:nvPicPr>
+              <p:blipFill>
+                <a:blip r:embed="rId28"/>
+                <a:stretch>
+                  <a:fillRect/>
+                </a:stretch>
+              </p:blipFill>
+              <p:spPr>
+                <a:xfrm>
+                  <a:off x="6971026" y="3296247"/>
+                  <a:ext cx="181080" cy="325440"/>
+                </a:xfrm>
+                <a:prstGeom prst="rect">
+                  <a:avLst/>
+                </a:prstGeom>
+              </p:spPr>
+            </p:pic>
+          </mc:Fallback>
+        </mc:AlternateContent>
+        <mc:AlternateContent xmlns:mc="http://schemas.openxmlformats.org/markup-compatibility/2006">
+          <mc:Choice xmlns:p14="http://schemas.microsoft.com/office/powerpoint/2010/main" Requires="p14">
+            <p:contentPart p14:bwMode="auto" r:id="rId29">
+              <p14:nvContentPartPr>
+                <p14:cNvPr id="18" name="Entrada de lápiz 17">
+                  <a:extLst>
+                    <a:ext uri="{FF2B5EF4-FFF2-40B4-BE49-F238E27FC236}">
+                      <a16:creationId xmlns:a16="http://schemas.microsoft.com/office/drawing/2014/main" id="{B53B9DD5-8459-C75D-731B-2B0FCAB321D1}"/>
+                    </a:ext>
+                  </a:extLst>
+                </p14:cNvPr>
+                <p14:cNvContentPartPr/>
+                <p14:nvPr/>
+              </p14:nvContentPartPr>
+              <p14:xfrm>
+                <a:off x="7146346" y="3365367"/>
+                <a:ext cx="225360" cy="177480"/>
+              </p14:xfrm>
+            </p:contentPart>
+          </mc:Choice>
+          <mc:Fallback>
+            <p:pic>
+              <p:nvPicPr>
+                <p:cNvPr id="18" name="Entrada de lápiz 17">
+                  <a:extLst>
+                    <a:ext uri="{FF2B5EF4-FFF2-40B4-BE49-F238E27FC236}">
+                      <a16:creationId xmlns:a16="http://schemas.microsoft.com/office/drawing/2014/main" id="{B53B9DD5-8459-C75D-731B-2B0FCAB321D1}"/>
+                    </a:ext>
+                  </a:extLst>
+                </p:cNvPr>
+                <p:cNvPicPr/>
+                <p:nvPr/>
+              </p:nvPicPr>
+              <p:blipFill>
+                <a:blip r:embed="rId30"/>
+                <a:stretch>
+                  <a:fillRect/>
+                </a:stretch>
+              </p:blipFill>
+              <p:spPr>
+                <a:xfrm>
+                  <a:off x="7137346" y="3356367"/>
+                  <a:ext cx="243000" cy="195120"/>
+                </a:xfrm>
+                <a:prstGeom prst="rect">
+                  <a:avLst/>
+                </a:prstGeom>
+              </p:spPr>
+            </p:pic>
+          </mc:Fallback>
+        </mc:AlternateContent>
+      </p:grpSp>
+      <p:grpSp>
+        <p:nvGrpSpPr>
+          <p:cNvPr id="26" name="Grupo 25">
+            <a:extLst>
+              <a:ext uri="{FF2B5EF4-FFF2-40B4-BE49-F238E27FC236}">
+                <a16:creationId xmlns:a16="http://schemas.microsoft.com/office/drawing/2014/main" id="{CB5163EF-09AD-3585-2D86-A47283188B75}"/>
+              </a:ext>
+            </a:extLst>
+          </p:cNvPr>
+          <p:cNvGrpSpPr/>
+          <p:nvPr/>
+        </p:nvGrpSpPr>
+        <p:grpSpPr>
+          <a:xfrm>
+            <a:off x="3811666" y="3214887"/>
+            <a:ext cx="325800" cy="351000"/>
+            <a:chOff x="3811666" y="3214887"/>
+            <a:chExt cx="325800" cy="351000"/>
+          </a:xfrm>
+        </p:grpSpPr>
+        <mc:AlternateContent xmlns:mc="http://schemas.openxmlformats.org/markup-compatibility/2006">
+          <mc:Choice xmlns:p14="http://schemas.microsoft.com/office/powerpoint/2010/main" Requires="p14">
+            <p:contentPart p14:bwMode="auto" r:id="rId31">
+              <p14:nvContentPartPr>
+                <p14:cNvPr id="23" name="Entrada de lápiz 22">
+                  <a:extLst>
+                    <a:ext uri="{FF2B5EF4-FFF2-40B4-BE49-F238E27FC236}">
+                      <a16:creationId xmlns:a16="http://schemas.microsoft.com/office/drawing/2014/main" id="{EFD7570F-1D4B-B3D4-8351-F1303DC0BA55}"/>
+                    </a:ext>
+                  </a:extLst>
+                </p14:cNvPr>
+                <p14:cNvContentPartPr/>
+                <p14:nvPr/>
+              </p14:nvContentPartPr>
+              <p14:xfrm>
+                <a:off x="3811666" y="3314247"/>
+                <a:ext cx="104760" cy="6120"/>
+              </p14:xfrm>
+            </p:contentPart>
+          </mc:Choice>
+          <mc:Fallback>
+            <p:pic>
+              <p:nvPicPr>
+                <p:cNvPr id="23" name="Entrada de lápiz 22">
+                  <a:extLst>
+                    <a:ext uri="{FF2B5EF4-FFF2-40B4-BE49-F238E27FC236}">
+                      <a16:creationId xmlns:a16="http://schemas.microsoft.com/office/drawing/2014/main" id="{EFD7570F-1D4B-B3D4-8351-F1303DC0BA55}"/>
+                    </a:ext>
+                  </a:extLst>
+                </p:cNvPr>
+                <p:cNvPicPr/>
+                <p:nvPr/>
+              </p:nvPicPr>
+              <p:blipFill>
+                <a:blip r:embed="rId32"/>
+                <a:stretch>
+                  <a:fillRect/>
+                </a:stretch>
+              </p:blipFill>
+              <p:spPr>
+                <a:xfrm>
+                  <a:off x="3802666" y="3305247"/>
+                  <a:ext cx="122400" cy="23760"/>
+                </a:xfrm>
+                <a:prstGeom prst="rect">
+                  <a:avLst/>
+                </a:prstGeom>
+              </p:spPr>
+            </p:pic>
+          </mc:Fallback>
+        </mc:AlternateContent>
+        <mc:AlternateContent xmlns:mc="http://schemas.openxmlformats.org/markup-compatibility/2006">
+          <mc:Choice xmlns:p14="http://schemas.microsoft.com/office/powerpoint/2010/main" Requires="p14">
+            <p:contentPart p14:bwMode="auto" r:id="rId33">
+              <p14:nvContentPartPr>
+                <p14:cNvPr id="24" name="Entrada de lápiz 23">
+                  <a:extLst>
+                    <a:ext uri="{FF2B5EF4-FFF2-40B4-BE49-F238E27FC236}">
+                      <a16:creationId xmlns:a16="http://schemas.microsoft.com/office/drawing/2014/main" id="{4D31E245-B763-918C-0F1B-46810EA243BD}"/>
+                    </a:ext>
+                  </a:extLst>
+                </p14:cNvPr>
+                <p14:cNvContentPartPr/>
+                <p14:nvPr/>
+              </p14:nvContentPartPr>
+              <p14:xfrm>
+                <a:off x="3915706" y="3314247"/>
+                <a:ext cx="221760" cy="251640"/>
+              </p14:xfrm>
+            </p:contentPart>
+          </mc:Choice>
+          <mc:Fallback>
+            <p:pic>
+              <p:nvPicPr>
+                <p:cNvPr id="24" name="Entrada de lápiz 23">
+                  <a:extLst>
+                    <a:ext uri="{FF2B5EF4-FFF2-40B4-BE49-F238E27FC236}">
+                      <a16:creationId xmlns:a16="http://schemas.microsoft.com/office/drawing/2014/main" id="{4D31E245-B763-918C-0F1B-46810EA243BD}"/>
+                    </a:ext>
+                  </a:extLst>
+                </p:cNvPr>
+                <p:cNvPicPr/>
+                <p:nvPr/>
+              </p:nvPicPr>
+              <p:blipFill>
+                <a:blip r:embed="rId34"/>
+                <a:stretch>
+                  <a:fillRect/>
+                </a:stretch>
+              </p:blipFill>
+              <p:spPr>
+                <a:xfrm>
+                  <a:off x="3907066" y="3305607"/>
+                  <a:ext cx="239400" cy="269280"/>
+                </a:xfrm>
+                <a:prstGeom prst="rect">
+                  <a:avLst/>
+                </a:prstGeom>
+              </p:spPr>
+            </p:pic>
+          </mc:Fallback>
+        </mc:AlternateContent>
+        <mc:AlternateContent xmlns:mc="http://schemas.openxmlformats.org/markup-compatibility/2006">
+          <mc:Choice xmlns:p14="http://schemas.microsoft.com/office/powerpoint/2010/main" Requires="p14">
+            <p:contentPart p14:bwMode="auto" r:id="rId35">
+              <p14:nvContentPartPr>
+                <p14:cNvPr id="25" name="Entrada de lápiz 24">
+                  <a:extLst>
+                    <a:ext uri="{FF2B5EF4-FFF2-40B4-BE49-F238E27FC236}">
+                      <a16:creationId xmlns:a16="http://schemas.microsoft.com/office/drawing/2014/main" id="{F9EA2243-8CA0-6B7E-76FD-8F40EE8A2B34}"/>
+                    </a:ext>
+                  </a:extLst>
+                </p14:cNvPr>
+                <p14:cNvContentPartPr/>
+                <p14:nvPr/>
+              </p14:nvContentPartPr>
+              <p14:xfrm>
+                <a:off x="3859186" y="3214887"/>
+                <a:ext cx="183600" cy="134280"/>
+              </p14:xfrm>
+            </p:contentPart>
+          </mc:Choice>
+          <mc:Fallback>
+            <p:pic>
+              <p:nvPicPr>
+                <p:cNvPr id="25" name="Entrada de lápiz 24">
+                  <a:extLst>
+                    <a:ext uri="{FF2B5EF4-FFF2-40B4-BE49-F238E27FC236}">
+                      <a16:creationId xmlns:a16="http://schemas.microsoft.com/office/drawing/2014/main" id="{F9EA2243-8CA0-6B7E-76FD-8F40EE8A2B34}"/>
+                    </a:ext>
+                  </a:extLst>
+                </p:cNvPr>
+                <p:cNvPicPr/>
+                <p:nvPr/>
+              </p:nvPicPr>
+              <p:blipFill>
+                <a:blip r:embed="rId36"/>
+                <a:stretch>
+                  <a:fillRect/>
+                </a:stretch>
+              </p:blipFill>
+              <p:spPr>
+                <a:xfrm>
+                  <a:off x="3850186" y="3206247"/>
+                  <a:ext cx="201240" cy="151920"/>
+                </a:xfrm>
+                <a:prstGeom prst="rect">
+                  <a:avLst/>
+                </a:prstGeom>
+              </p:spPr>
+            </p:pic>
+          </mc:Fallback>
+        </mc:AlternateContent>
+      </p:grpSp>
+      <p:grpSp>
+        <p:nvGrpSpPr>
+          <p:cNvPr id="31" name="Grupo 30">
+            <a:extLst>
+              <a:ext uri="{FF2B5EF4-FFF2-40B4-BE49-F238E27FC236}">
+                <a16:creationId xmlns:a16="http://schemas.microsoft.com/office/drawing/2014/main" id="{4EB23D6F-DDDD-07D3-0114-8D28983266F8}"/>
+              </a:ext>
+            </a:extLst>
+          </p:cNvPr>
+          <p:cNvGrpSpPr/>
+          <p:nvPr/>
+        </p:nvGrpSpPr>
+        <p:grpSpPr>
+          <a:xfrm>
+            <a:off x="4242946" y="3047847"/>
+            <a:ext cx="618480" cy="547920"/>
+            <a:chOff x="4242946" y="3047847"/>
+            <a:chExt cx="618480" cy="547920"/>
+          </a:xfrm>
+        </p:grpSpPr>
+        <mc:AlternateContent xmlns:mc="http://schemas.openxmlformats.org/markup-compatibility/2006">
+          <mc:Choice xmlns:p14="http://schemas.microsoft.com/office/powerpoint/2010/main" Requires="p14">
+            <p:contentPart p14:bwMode="auto" r:id="rId37">
+              <p14:nvContentPartPr>
+                <p14:cNvPr id="27" name="Entrada de lápiz 26">
+                  <a:extLst>
+                    <a:ext uri="{FF2B5EF4-FFF2-40B4-BE49-F238E27FC236}">
+                      <a16:creationId xmlns:a16="http://schemas.microsoft.com/office/drawing/2014/main" id="{6F1E3ACE-0436-81C4-D8ED-2E9E7FDAF2EE}"/>
+                    </a:ext>
+                  </a:extLst>
+                </p14:cNvPr>
+                <p14:cNvContentPartPr/>
+                <p14:nvPr/>
+              </p14:nvContentPartPr>
+              <p14:xfrm>
+                <a:off x="4242946" y="3515487"/>
+                <a:ext cx="360" cy="80280"/>
+              </p14:xfrm>
+            </p:contentPart>
+          </mc:Choice>
+          <mc:Fallback>
+            <p:pic>
+              <p:nvPicPr>
+                <p:cNvPr id="27" name="Entrada de lápiz 26">
+                  <a:extLst>
+                    <a:ext uri="{FF2B5EF4-FFF2-40B4-BE49-F238E27FC236}">
+                      <a16:creationId xmlns:a16="http://schemas.microsoft.com/office/drawing/2014/main" id="{6F1E3ACE-0436-81C4-D8ED-2E9E7FDAF2EE}"/>
+                    </a:ext>
+                  </a:extLst>
+                </p:cNvPr>
+                <p:cNvPicPr/>
+                <p:nvPr/>
+              </p:nvPicPr>
+              <p:blipFill>
+                <a:blip r:embed="rId38"/>
+                <a:stretch>
+                  <a:fillRect/>
+                </a:stretch>
+              </p:blipFill>
+              <p:spPr>
+                <a:xfrm>
+                  <a:off x="4234306" y="3506847"/>
+                  <a:ext cx="18000" cy="97920"/>
+                </a:xfrm>
+                <a:prstGeom prst="rect">
+                  <a:avLst/>
+                </a:prstGeom>
+              </p:spPr>
+            </p:pic>
+          </mc:Fallback>
+        </mc:AlternateContent>
+        <mc:AlternateContent xmlns:mc="http://schemas.openxmlformats.org/markup-compatibility/2006">
+          <mc:Choice xmlns:p14="http://schemas.microsoft.com/office/powerpoint/2010/main" Requires="p14">
+            <p:contentPart p14:bwMode="auto" r:id="rId39">
+              <p14:nvContentPartPr>
+                <p14:cNvPr id="28" name="Entrada de lápiz 27">
+                  <a:extLst>
+                    <a:ext uri="{FF2B5EF4-FFF2-40B4-BE49-F238E27FC236}">
+                      <a16:creationId xmlns:a16="http://schemas.microsoft.com/office/drawing/2014/main" id="{103D8380-DAFE-56EB-A9DA-347B409C54A6}"/>
+                    </a:ext>
+                  </a:extLst>
+                </p14:cNvPr>
+                <p14:cNvContentPartPr/>
+                <p14:nvPr/>
+              </p14:nvContentPartPr>
+              <p14:xfrm>
+                <a:off x="4295866" y="3243327"/>
+                <a:ext cx="223200" cy="200520"/>
+              </p14:xfrm>
+            </p:contentPart>
+          </mc:Choice>
+          <mc:Fallback>
+            <p:pic>
+              <p:nvPicPr>
+                <p:cNvPr id="28" name="Entrada de lápiz 27">
+                  <a:extLst>
+                    <a:ext uri="{FF2B5EF4-FFF2-40B4-BE49-F238E27FC236}">
+                      <a16:creationId xmlns:a16="http://schemas.microsoft.com/office/drawing/2014/main" id="{103D8380-DAFE-56EB-A9DA-347B409C54A6}"/>
+                    </a:ext>
+                  </a:extLst>
+                </p:cNvPr>
+                <p:cNvPicPr/>
+                <p:nvPr/>
+              </p:nvPicPr>
+              <p:blipFill>
+                <a:blip r:embed="rId40"/>
+                <a:stretch>
+                  <a:fillRect/>
+                </a:stretch>
+              </p:blipFill>
+              <p:spPr>
+                <a:xfrm>
+                  <a:off x="4287226" y="3234327"/>
+                  <a:ext cx="240840" cy="218160"/>
+                </a:xfrm>
+                <a:prstGeom prst="rect">
+                  <a:avLst/>
+                </a:prstGeom>
+              </p:spPr>
+            </p:pic>
+          </mc:Fallback>
+        </mc:AlternateContent>
+        <mc:AlternateContent xmlns:mc="http://schemas.openxmlformats.org/markup-compatibility/2006">
+          <mc:Choice xmlns:p14="http://schemas.microsoft.com/office/powerpoint/2010/main" Requires="p14">
+            <p:contentPart p14:bwMode="auto" r:id="rId41">
+              <p14:nvContentPartPr>
+                <p14:cNvPr id="29" name="Entrada de lápiz 28">
+                  <a:extLst>
+                    <a:ext uri="{FF2B5EF4-FFF2-40B4-BE49-F238E27FC236}">
+                      <a16:creationId xmlns:a16="http://schemas.microsoft.com/office/drawing/2014/main" id="{4E35FF6E-8CEC-00B1-28F8-C3FBC5718F34}"/>
+                    </a:ext>
+                  </a:extLst>
+                </p14:cNvPr>
+                <p14:cNvContentPartPr/>
+                <p14:nvPr/>
+              </p14:nvContentPartPr>
+              <p14:xfrm>
+                <a:off x="4449226" y="3120567"/>
+                <a:ext cx="222840" cy="167040"/>
+              </p14:xfrm>
+            </p:contentPart>
+          </mc:Choice>
+          <mc:Fallback>
+            <p:pic>
+              <p:nvPicPr>
+                <p:cNvPr id="29" name="Entrada de lápiz 28">
+                  <a:extLst>
+                    <a:ext uri="{FF2B5EF4-FFF2-40B4-BE49-F238E27FC236}">
+                      <a16:creationId xmlns:a16="http://schemas.microsoft.com/office/drawing/2014/main" id="{4E35FF6E-8CEC-00B1-28F8-C3FBC5718F34}"/>
+                    </a:ext>
+                  </a:extLst>
+                </p:cNvPr>
+                <p:cNvPicPr/>
+                <p:nvPr/>
+              </p:nvPicPr>
+              <p:blipFill>
+                <a:blip r:embed="rId42"/>
+                <a:stretch>
+                  <a:fillRect/>
+                </a:stretch>
+              </p:blipFill>
+              <p:spPr>
+                <a:xfrm>
+                  <a:off x="4440226" y="3111927"/>
+                  <a:ext cx="240480" cy="184680"/>
+                </a:xfrm>
+                <a:prstGeom prst="rect">
+                  <a:avLst/>
+                </a:prstGeom>
+              </p:spPr>
+            </p:pic>
+          </mc:Fallback>
+        </mc:AlternateContent>
+        <mc:AlternateContent xmlns:mc="http://schemas.openxmlformats.org/markup-compatibility/2006">
+          <mc:Choice xmlns:p14="http://schemas.microsoft.com/office/powerpoint/2010/main" Requires="p14">
+            <p:contentPart p14:bwMode="auto" r:id="rId43">
+              <p14:nvContentPartPr>
+                <p14:cNvPr id="30" name="Entrada de lápiz 29">
+                  <a:extLst>
+                    <a:ext uri="{FF2B5EF4-FFF2-40B4-BE49-F238E27FC236}">
+                      <a16:creationId xmlns:a16="http://schemas.microsoft.com/office/drawing/2014/main" id="{35DCA126-F341-19F1-B816-527315F12483}"/>
+                    </a:ext>
+                  </a:extLst>
+                </p14:cNvPr>
+                <p14:cNvContentPartPr/>
+                <p14:nvPr/>
+              </p14:nvContentPartPr>
+              <p14:xfrm>
+                <a:off x="4727506" y="3047847"/>
+                <a:ext cx="133920" cy="213840"/>
+              </p14:xfrm>
+            </p:contentPart>
+          </mc:Choice>
+          <mc:Fallback>
+            <p:pic>
+              <p:nvPicPr>
+                <p:cNvPr id="30" name="Entrada de lápiz 29">
+                  <a:extLst>
+                    <a:ext uri="{FF2B5EF4-FFF2-40B4-BE49-F238E27FC236}">
+                      <a16:creationId xmlns:a16="http://schemas.microsoft.com/office/drawing/2014/main" id="{35DCA126-F341-19F1-B816-527315F12483}"/>
+                    </a:ext>
+                  </a:extLst>
+                </p:cNvPr>
+                <p:cNvPicPr/>
+                <p:nvPr/>
+              </p:nvPicPr>
+              <p:blipFill>
+                <a:blip r:embed="rId44"/>
+                <a:stretch>
+                  <a:fillRect/>
+                </a:stretch>
+              </p:blipFill>
+              <p:spPr>
+                <a:xfrm>
+                  <a:off x="4718866" y="3039207"/>
+                  <a:ext cx="151560" cy="231480"/>
+                </a:xfrm>
+                <a:prstGeom prst="rect">
+                  <a:avLst/>
+                </a:prstGeom>
+              </p:spPr>
+            </p:pic>
+          </mc:Fallback>
+        </mc:AlternateContent>
+      </p:grpSp>
     </p:spTree>
     <p:extLst>
       <p:ext uri="{BB962C8B-B14F-4D97-AF65-F5344CB8AC3E}">
@@ -16208,7 +17981,7 @@
                 </a:solidFill>
                 <a:latin typeface="Source Code Pro" panose="020F0502020204030204" pitchFamily="34" charset="0"/>
               </a:rPr>
-              <a:t>all=FALSE</a:t>
+              <a:t>all=TRUE</a:t>
             </a:r>
           </a:p>
         </p:txBody>
@@ -16294,6 +18067,57 @@
           </a:prstGeom>
         </p:spPr>
       </p:pic>
+      <mc:AlternateContent xmlns:mc="http://schemas.openxmlformats.org/markup-compatibility/2006">
+        <mc:Choice xmlns:p14="http://schemas.microsoft.com/office/powerpoint/2010/main" Requires="p14">
+          <p:contentPart p14:bwMode="auto" r:id="rId3">
+            <p14:nvContentPartPr>
+              <p14:cNvPr id="2" name="Entrada de lápiz 1">
+                <a:extLst>
+                  <a:ext uri="{FF2B5EF4-FFF2-40B4-BE49-F238E27FC236}">
+                    <a16:creationId xmlns:a16="http://schemas.microsoft.com/office/drawing/2014/main" id="{AA0BD42C-35BA-254F-8805-FA871FC0CCDF}"/>
+                  </a:ext>
+                </a:extLst>
+              </p14:cNvPr>
+              <p14:cNvContentPartPr/>
+              <p14:nvPr/>
+            </p14:nvContentPartPr>
+            <p14:xfrm>
+              <a:off x="2000160" y="1708200"/>
+              <a:ext cx="8992080" cy="1787040"/>
+            </p14:xfrm>
+          </p:contentPart>
+        </mc:Choice>
+        <mc:Fallback>
+          <p:pic>
+            <p:nvPicPr>
+              <p:cNvPr id="2" name="Entrada de lápiz 1">
+                <a:extLst>
+                  <a:ext uri="{FF2B5EF4-FFF2-40B4-BE49-F238E27FC236}">
+                    <a16:creationId xmlns:a16="http://schemas.microsoft.com/office/drawing/2014/main" id="{AA0BD42C-35BA-254F-8805-FA871FC0CCDF}"/>
+                  </a:ext>
+                </a:extLst>
+              </p:cNvPr>
+              <p:cNvPicPr/>
+              <p:nvPr/>
+            </p:nvPicPr>
+            <p:blipFill>
+              <a:blip r:embed="rId4"/>
+              <a:stretch>
+                <a:fillRect/>
+              </a:stretch>
+            </p:blipFill>
+            <p:spPr>
+              <a:xfrm>
+                <a:off x="1990800" y="1698840"/>
+                <a:ext cx="9010800" cy="1805760"/>
+              </a:xfrm>
+              <a:prstGeom prst="rect">
+                <a:avLst/>
+              </a:prstGeom>
+            </p:spPr>
+          </p:pic>
+        </mc:Fallback>
+      </mc:AlternateContent>
     </p:spTree>
     <p:extLst>
       <p:ext uri="{BB962C8B-B14F-4D97-AF65-F5344CB8AC3E}">
